--- a/2020-06-04-fsharpconf/on-independence.pptx
+++ b/2020-06-04-fsharpconf/on-independence.pptx
@@ -7,7 +7,7 @@
     <p:sldMasterId id="2147484083" r:id="rId3"/>
   </p:sldMasterIdLst>
   <p:notesMasterIdLst>
-    <p:notesMasterId r:id="rId48"/>
+    <p:notesMasterId r:id="rId49"/>
   </p:notesMasterIdLst>
   <p:sldIdLst>
     <p:sldId id="1933" r:id="rId4"/>
@@ -38,22 +38,23 @@
     <p:sldId id="1960" r:id="rId29"/>
     <p:sldId id="1961" r:id="rId30"/>
     <p:sldId id="1965" r:id="rId31"/>
-    <p:sldId id="1966" r:id="rId32"/>
-    <p:sldId id="1967" r:id="rId33"/>
-    <p:sldId id="1962" r:id="rId34"/>
+    <p:sldId id="1967" r:id="rId32"/>
+    <p:sldId id="1962" r:id="rId33"/>
+    <p:sldId id="1966" r:id="rId34"/>
     <p:sldId id="1951" r:id="rId35"/>
     <p:sldId id="1952" r:id="rId36"/>
     <p:sldId id="1953" r:id="rId37"/>
-    <p:sldId id="1954" r:id="rId38"/>
-    <p:sldId id="1955" r:id="rId39"/>
-    <p:sldId id="1943" r:id="rId40"/>
-    <p:sldId id="1176" r:id="rId41"/>
-    <p:sldId id="1248" r:id="rId42"/>
-    <p:sldId id="1254" r:id="rId43"/>
-    <p:sldId id="1256" r:id="rId44"/>
-    <p:sldId id="1944" r:id="rId45"/>
-    <p:sldId id="1963" r:id="rId46"/>
-    <p:sldId id="1924" r:id="rId47"/>
+    <p:sldId id="1969" r:id="rId38"/>
+    <p:sldId id="1970" r:id="rId39"/>
+    <p:sldId id="1955" r:id="rId40"/>
+    <p:sldId id="1924" r:id="rId41"/>
+    <p:sldId id="1943" r:id="rId42"/>
+    <p:sldId id="1176" r:id="rId43"/>
+    <p:sldId id="1248" r:id="rId44"/>
+    <p:sldId id="1254" r:id="rId45"/>
+    <p:sldId id="1256" r:id="rId46"/>
+    <p:sldId id="1944" r:id="rId47"/>
+    <p:sldId id="1963" r:id="rId48"/>
   </p:sldIdLst>
   <p:sldSz cx="12192000" cy="6858000"/>
   <p:notesSz cx="6858000" cy="9144000"/>
@@ -7595,61 +7596,13 @@
           <a:bodyPr/>
           <a:lstStyle/>
           <a:p>
-            <a:br>
+            <a:r>
               <a:rPr lang="en-GB" dirty="0">
                 <a:latin typeface="Gill Sans MT" panose="020B0502020104020203" pitchFamily="34" charset="0"/>
                 <a:cs typeface="Segoe UI Light" panose="020B0502040204020203" pitchFamily="34" charset="0"/>
               </a:rPr>
-            </a:br>
-            <a:br>
-              <a:rPr lang="en-GB" dirty="0">
-                <a:latin typeface="Gill Sans MT" panose="020B0502020104020203" pitchFamily="34" charset="0"/>
-                <a:cs typeface="Segoe UI Light" panose="020B0502040204020203" pitchFamily="34" charset="0"/>
-              </a:rPr>
-            </a:br>
-            <a:r>
-              <a:rPr lang="en-GB" dirty="0">
-                <a:latin typeface="Gill Sans MT" panose="020B0502020104020203" pitchFamily="34" charset="0"/>
-                <a:cs typeface="Segoe UI Light" panose="020B0502040204020203" pitchFamily="34" charset="0"/>
-              </a:rPr>
-              <a:t>On Notions of Independence</a:t>
-            </a:r>
-            <a:br>
-              <a:rPr lang="en-GB" dirty="0">
-                <a:latin typeface="Gill Sans MT" panose="020B0502020104020203" pitchFamily="34" charset="0"/>
-                <a:cs typeface="Segoe UI Light" panose="020B0502040204020203" pitchFamily="34" charset="0"/>
-              </a:rPr>
-            </a:br>
-            <a:r>
-              <a:rPr lang="en-GB" dirty="0">
-                <a:latin typeface="Gill Sans MT" panose="020B0502020104020203" pitchFamily="34" charset="0"/>
-                <a:cs typeface="Segoe UI Light" panose="020B0502040204020203" pitchFamily="34" charset="0"/>
-              </a:rPr>
-              <a:t>		</a:t>
-            </a:r>
-            <a:r>
-              <a:rPr lang="en-GB" sz="4000" dirty="0">
-                <a:latin typeface="Gill Sans MT" panose="020B0502020104020203" pitchFamily="34" charset="0"/>
-                <a:cs typeface="Segoe UI Light" panose="020B0502040204020203" pitchFamily="34" charset="0"/>
-              </a:rPr>
-              <a:t>…. And how they apply to F#</a:t>
-            </a:r>
-            <a:br>
-              <a:rPr lang="en-GB" sz="4000" dirty="0">
-                <a:latin typeface="Gill Sans MT" panose="020B0502020104020203" pitchFamily="34" charset="0"/>
-                <a:cs typeface="Segoe UI Light" panose="020B0502040204020203" pitchFamily="34" charset="0"/>
-              </a:rPr>
-            </a:br>
-            <a:br>
-              <a:rPr lang="en-GB" dirty="0">
-                <a:latin typeface="Gill Sans MT" panose="020B0502020104020203" pitchFamily="34" charset="0"/>
-                <a:cs typeface="Segoe UI Light" panose="020B0502040204020203" pitchFamily="34" charset="0"/>
-              </a:rPr>
-            </a:br>
-            <a:endParaRPr lang="en-GB" dirty="0">
-              <a:latin typeface="Gill Sans MT" panose="020B0502020104020203" pitchFamily="34" charset="0"/>
-              <a:cs typeface="Segoe UI Light" panose="020B0502040204020203" pitchFamily="34" charset="0"/>
-            </a:endParaRPr>
+              <a:t>On Independence </a:t>
+            </a:r>
           </a:p>
         </p:txBody>
       </p:sp>
@@ -7674,52 +7627,24 @@
           <a:bodyPr/>
           <a:lstStyle/>
           <a:p>
-            <a:endParaRPr lang="en-GB" dirty="0">
+            <a:endParaRPr lang="en-GB" sz="3600" dirty="0">
               <a:latin typeface="Gill Sans MT" panose="020B0502020104020203" pitchFamily="34" charset="0"/>
               <a:cs typeface="Segoe UI Light" panose="020B0502040204020203" pitchFamily="34" charset="0"/>
             </a:endParaRPr>
           </a:p>
           <a:p>
-            <a:endParaRPr lang="en-GB" dirty="0">
+            <a:endParaRPr lang="en-GB" sz="3600" dirty="0">
               <a:latin typeface="Gill Sans MT" panose="020B0502020104020203" pitchFamily="34" charset="0"/>
               <a:cs typeface="Segoe UI Light" panose="020B0502040204020203" pitchFamily="34" charset="0"/>
             </a:endParaRPr>
           </a:p>
           <a:p>
             <a:r>
-              <a:rPr lang="en-GB" dirty="0">
+              <a:rPr lang="en-GB" sz="3600" dirty="0">
                 <a:latin typeface="Gill Sans MT" panose="020B0502020104020203" pitchFamily="34" charset="0"/>
                 <a:cs typeface="Segoe UI Light" panose="020B0502040204020203" pitchFamily="34" charset="0"/>
               </a:rPr>
-              <a:t>@dsyme, researcher at </a:t>
-            </a:r>
-            <a:r>
-              <a:rPr lang="en-GB" dirty="0" err="1">
-                <a:latin typeface="Gill Sans MT" panose="020B0502020104020203" pitchFamily="34" charset="0"/>
-                <a:cs typeface="Segoe UI Light" panose="020B0502040204020203" pitchFamily="34" charset="0"/>
-              </a:rPr>
-              <a:t>microsoft</a:t>
-            </a:r>
-            <a:r>
-              <a:rPr lang="en-GB" dirty="0">
-                <a:latin typeface="Gill Sans MT" panose="020B0502020104020203" pitchFamily="34" charset="0"/>
-                <a:cs typeface="Segoe UI Light" panose="020B0502040204020203" pitchFamily="34" charset="0"/>
-              </a:rPr>
-              <a:t>, </a:t>
-            </a:r>
-            <a:r>
-              <a:rPr lang="en-GB" dirty="0" err="1">
-                <a:latin typeface="Gill Sans MT" panose="020B0502020104020203" pitchFamily="34" charset="0"/>
-                <a:cs typeface="Segoe UI Light" panose="020B0502040204020203" pitchFamily="34" charset="0"/>
-              </a:rPr>
-              <a:t>f#</a:t>
-            </a:r>
-            <a:r>
-              <a:rPr lang="en-GB" dirty="0">
-                <a:latin typeface="Gill Sans MT" panose="020B0502020104020203" pitchFamily="34" charset="0"/>
-                <a:cs typeface="Segoe UI Light" panose="020B0502040204020203" pitchFamily="34" charset="0"/>
-              </a:rPr>
-              <a:t> community contributor</a:t>
+              <a:t>@dsymetweets, researcher, community contributor</a:t>
             </a:r>
           </a:p>
         </p:txBody>
@@ -12500,10 +12425,32 @@
                 <a:cs typeface="Segoe UI Light" panose="020B0502040204020203" pitchFamily="34" charset="0"/>
               </a:rPr>
             </a:br>
-            <a:endParaRPr lang="en-GB" dirty="0">
-              <a:latin typeface="Gill Sans MT" panose="020B0502020104020203" pitchFamily="34" charset="0"/>
-              <a:cs typeface="Segoe UI Light" panose="020B0502040204020203" pitchFamily="34" charset="0"/>
-            </a:endParaRPr>
+            <a:r>
+              <a:rPr lang="en-GB" dirty="0">
+                <a:latin typeface="Gill Sans MT" panose="020B0502020104020203" pitchFamily="34" charset="0"/>
+                <a:cs typeface="Segoe UI Light" panose="020B0502040204020203" pitchFamily="34" charset="0"/>
+              </a:rPr>
+              <a:t>What do we mean when we say a technology is independent?</a:t>
+            </a:r>
+            <a:br>
+              <a:rPr lang="en-GB" dirty="0">
+                <a:latin typeface="Gill Sans MT" panose="020B0502020104020203" pitchFamily="34" charset="0"/>
+                <a:cs typeface="Segoe UI Light" panose="020B0502040204020203" pitchFamily="34" charset="0"/>
+              </a:rPr>
+            </a:br>
+            <a:br>
+              <a:rPr lang="en-GB" dirty="0">
+                <a:latin typeface="Gill Sans MT" panose="020B0502020104020203" pitchFamily="34" charset="0"/>
+                <a:cs typeface="Segoe UI Light" panose="020B0502040204020203" pitchFamily="34" charset="0"/>
+              </a:rPr>
+            </a:br>
+            <a:r>
+              <a:rPr lang="en-GB" dirty="0">
+                <a:latin typeface="Gill Sans MT" panose="020B0502020104020203" pitchFamily="34" charset="0"/>
+                <a:cs typeface="Segoe UI Light" panose="020B0502040204020203" pitchFamily="34" charset="0"/>
+              </a:rPr>
+              <a:t>How does this play out for F# and its associated technologies?</a:t>
+            </a:r>
           </a:p>
         </p:txBody>
       </p:sp>
@@ -12992,8 +12939,8 @@
         </p:nvSpPr>
         <p:spPr>
           <a:xfrm>
-            <a:off x="508000" y="281767"/>
-            <a:ext cx="11176000" cy="6093976"/>
+            <a:off x="508000" y="686711"/>
+            <a:ext cx="11176000" cy="5484578"/>
           </a:xfrm>
         </p:spPr>
         <p:txBody>
@@ -13001,52 +12948,99 @@
           <a:lstStyle/>
           <a:p>
             <a:r>
-              <a:rPr lang="en-GB" sz="4000" dirty="0"/>
+              <a:rPr lang="en-GB" sz="3600" dirty="0"/>
               <a:t>Marketing Matters!</a:t>
             </a:r>
             <a:br>
-              <a:rPr lang="en-GB" sz="4000" dirty="0"/>
-            </a:br>
-            <a:br>
-              <a:rPr lang="en-GB" sz="4000" dirty="0"/>
-            </a:br>
-            <a:r>
-              <a:rPr lang="en-GB" sz="4000" dirty="0"/>
+              <a:rPr lang="en-GB" sz="3600" dirty="0"/>
+            </a:br>
+            <a:br>
+              <a:rPr lang="en-GB" sz="3600" dirty="0"/>
+            </a:br>
+            <a:r>
+              <a:rPr lang="en-GB" sz="3600" dirty="0"/>
               <a:t>You can help “market” F# every day.</a:t>
             </a:r>
             <a:br>
-              <a:rPr lang="en-GB" sz="4000" dirty="0"/>
-            </a:br>
-            <a:br>
-              <a:rPr lang="en-GB" sz="4000" dirty="0"/>
-            </a:br>
-            <a:r>
-              <a:rPr lang="en-GB" sz="4000" dirty="0"/>
+              <a:rPr lang="en-GB" sz="3600" dirty="0"/>
+            </a:br>
+            <a:br>
+              <a:rPr lang="en-GB" sz="3600" dirty="0"/>
+            </a:br>
+            <a:r>
+              <a:rPr lang="en-GB" sz="3600" dirty="0"/>
               <a:t>Social Proof really, really matters.  Write a testimonial today for fsharp.org/testimonials.</a:t>
             </a:r>
             <a:br>
-              <a:rPr lang="en-GB" sz="4000" dirty="0"/>
-            </a:br>
-            <a:br>
-              <a:rPr lang="en-GB" sz="4000" dirty="0"/>
-            </a:br>
-            <a:r>
-              <a:rPr lang="en-GB" sz="4000" dirty="0"/>
+              <a:rPr lang="en-GB" sz="3600" dirty="0"/>
+            </a:br>
+            <a:br>
+              <a:rPr lang="en-GB" sz="3600" dirty="0"/>
+            </a:br>
+            <a:r>
+              <a:rPr lang="en-GB" sz="3600" dirty="0"/>
               <a:t>Spread positive, authentic, honest messages</a:t>
             </a:r>
             <a:br>
-              <a:rPr lang="en-GB" sz="4000" dirty="0"/>
-            </a:br>
-            <a:br>
-              <a:rPr lang="en-GB" sz="4000" dirty="0"/>
-            </a:br>
-            <a:r>
-              <a:rPr lang="en-GB" sz="4000" dirty="0"/>
+              <a:rPr lang="en-GB" sz="3600" dirty="0"/>
+            </a:br>
+            <a:br>
+              <a:rPr lang="en-GB" sz="3600" dirty="0"/>
+            </a:br>
+            <a:r>
+              <a:rPr lang="en-GB" sz="3600" dirty="0"/>
               <a:t>When spreading negative messages, be constructive. Please don’t do it for the clicks and likes. </a:t>
             </a:r>
           </a:p>
         </p:txBody>
       </p:sp>
+      <p:pic>
+        <p:nvPicPr>
+          <p:cNvPr id="4" name="Picture 3" descr="F# Logo">
+            <a:extLst>
+              <a:ext uri="{FF2B5EF4-FFF2-40B4-BE49-F238E27FC236}">
+                <a16:creationId xmlns:a16="http://schemas.microsoft.com/office/drawing/2014/main" id="{FC5F38CE-3602-4BF9-96DB-B7D1CB200BFD}"/>
+              </a:ext>
+            </a:extLst>
+          </p:cNvPr>
+          <p:cNvPicPr>
+            <a:picLocks noChangeAspect="1" noChangeArrowheads="1"/>
+          </p:cNvPicPr>
+          <p:nvPr/>
+        </p:nvPicPr>
+        <p:blipFill>
+          <a:blip r:embed="rId2">
+            <a:extLst>
+              <a:ext uri="{28A0092B-C50C-407E-A947-70E740481C1C}">
+                <a14:useLocalDpi xmlns:a14="http://schemas.microsoft.com/office/drawing/2010/main" val="0"/>
+              </a:ext>
+            </a:extLst>
+          </a:blip>
+          <a:srcRect/>
+          <a:stretch>
+            <a:fillRect/>
+          </a:stretch>
+        </p:blipFill>
+        <p:spPr bwMode="auto">
+          <a:xfrm>
+            <a:off x="9692308" y="29817"/>
+            <a:ext cx="2438400" cy="2438400"/>
+          </a:xfrm>
+          <a:prstGeom prst="rect">
+            <a:avLst/>
+          </a:prstGeom>
+          <a:noFill/>
+          <a:extLst>
+            <a:ext uri="{909E8E84-426E-40DD-AFC4-6F175D3DCCD1}">
+              <a14:hiddenFill xmlns:a14="http://schemas.microsoft.com/office/drawing/2010/main">
+                <a:solidFill>
+                  <a:srgbClr val="FFFFFF"/>
+                </a:solidFill>
+              </a14:hiddenFill>
+            </a:ext>
+          </a:extLst>
+        </p:spPr>
+      </p:pic>
     </p:spTree>
     <p:extLst>
       <p:ext uri="{BB962C8B-B14F-4D97-AF65-F5344CB8AC3E}">
@@ -13058,6 +13052,84 @@
     <a:masterClrMapping/>
   </p:clrMapOvr>
   <p:transition/>
+  <p:timing>
+    <p:tnLst>
+      <p:par>
+        <p:cTn id="1" dur="indefinite" restart="never" nodeType="tmRoot">
+          <p:childTnLst>
+            <p:seq concurrent="1" nextAc="seek">
+              <p:cTn id="2" dur="indefinite" nodeType="mainSeq">
+                <p:childTnLst>
+                  <p:par>
+                    <p:cTn id="3" fill="hold">
+                      <p:stCondLst>
+                        <p:cond delay="indefinite"/>
+                      </p:stCondLst>
+                      <p:childTnLst>
+                        <p:par>
+                          <p:cTn id="4" fill="hold">
+                            <p:stCondLst>
+                              <p:cond delay="0"/>
+                            </p:stCondLst>
+                            <p:childTnLst>
+                              <p:par>
+                                <p:cTn id="5" presetID="1" presetClass="entr" presetSubtype="0" fill="hold" grpId="0" nodeType="clickEffect">
+                                  <p:stCondLst>
+                                    <p:cond delay="0"/>
+                                  </p:stCondLst>
+                                  <p:childTnLst>
+                                    <p:set>
+                                      <p:cBhvr>
+                                        <p:cTn id="6" dur="1" fill="hold">
+                                          <p:stCondLst>
+                                            <p:cond delay="0"/>
+                                          </p:stCondLst>
+                                        </p:cTn>
+                                        <p:tgtEl>
+                                          <p:spTgt spid="2"/>
+                                        </p:tgtEl>
+                                        <p:attrNameLst>
+                                          <p:attrName>style.visibility</p:attrName>
+                                        </p:attrNameLst>
+                                      </p:cBhvr>
+                                      <p:to>
+                                        <p:strVal val="visible"/>
+                                      </p:to>
+                                    </p:set>
+                                  </p:childTnLst>
+                                </p:cTn>
+                              </p:par>
+                            </p:childTnLst>
+                          </p:cTn>
+                        </p:par>
+                      </p:childTnLst>
+                    </p:cTn>
+                  </p:par>
+                </p:childTnLst>
+              </p:cTn>
+              <p:prevCondLst>
+                <p:cond evt="onPrev" delay="0">
+                  <p:tgtEl>
+                    <p:sldTgt/>
+                  </p:tgtEl>
+                </p:cond>
+              </p:prevCondLst>
+              <p:nextCondLst>
+                <p:cond evt="onNext" delay="0">
+                  <p:tgtEl>
+                    <p:sldTgt/>
+                  </p:tgtEl>
+                </p:cond>
+              </p:nextCondLst>
+            </p:seq>
+          </p:childTnLst>
+        </p:cTn>
+      </p:par>
+    </p:tnLst>
+    <p:bldLst>
+      <p:bldP spid="2" grpId="0"/>
+    </p:bldLst>
+  </p:timing>
 </p:sld>
 </file>
 
@@ -13411,7 +13483,7 @@
                 <a:latin typeface="Gill Sans MT" panose="020B0502020104020203" pitchFamily="34" charset="0"/>
                 <a:cs typeface="Segoe UI Light" panose="020B0502040204020203" pitchFamily="34" charset="0"/>
               </a:rPr>
-              <a:t>What is Independence?</a:t>
+              <a:t>So, what is Independence?</a:t>
             </a:r>
             <a:br>
               <a:rPr lang="en-GB" dirty="0">
@@ -13886,39 +13958,39 @@
           <a:p>
             <a:r>
               <a:rPr lang="en-GB" sz="4400" dirty="0">
-                <a:latin typeface="Segoe UI Light" panose="020B0502040204020203" pitchFamily="34" charset="0"/>
+                <a:latin typeface="Gill Sans MT" panose="020B0502020104020203" pitchFamily="34" charset="0"/>
               </a:rPr>
               <a:t>Cognitive Independence</a:t>
             </a:r>
             <a:br>
               <a:rPr lang="en-GB" sz="4400" dirty="0">
-                <a:latin typeface="Segoe UI Light" panose="020B0502040204020203" pitchFamily="34" charset="0"/>
+                <a:latin typeface="Gill Sans MT" panose="020B0502020104020203" pitchFamily="34" charset="0"/>
               </a:rPr>
             </a:br>
             <a:br>
               <a:rPr lang="en-GB" sz="3600" dirty="0">
-                <a:latin typeface="Segoe UI Light" panose="020B0502040204020203" pitchFamily="34" charset="0"/>
+                <a:latin typeface="Gill Sans MT" panose="020B0502020104020203" pitchFamily="34" charset="0"/>
               </a:rPr>
             </a:br>
             <a:r>
               <a:rPr lang="en-GB" sz="3600" i="1" dirty="0">
-                <a:latin typeface="Segoe UI Light" panose="020B0502040204020203" pitchFamily="34" charset="0"/>
+                <a:latin typeface="Gill Sans MT" panose="020B0502020104020203" pitchFamily="34" charset="0"/>
               </a:rPr>
               <a:t>When a technology A can be understood and used without knowing technology B</a:t>
             </a:r>
             <a:br>
               <a:rPr lang="en-GB" sz="3600" i="1" dirty="0">
-                <a:latin typeface="Segoe UI Light" panose="020B0502040204020203" pitchFamily="34" charset="0"/>
+                <a:latin typeface="Gill Sans MT" panose="020B0502020104020203" pitchFamily="34" charset="0"/>
               </a:rPr>
             </a:br>
             <a:br>
               <a:rPr lang="en-GB" sz="3600" i="1" dirty="0">
-                <a:latin typeface="Segoe UI Light" panose="020B0502040204020203" pitchFamily="34" charset="0"/>
+                <a:latin typeface="Gill Sans MT" panose="020B0502020104020203" pitchFamily="34" charset="0"/>
               </a:rPr>
             </a:br>
             <a:r>
               <a:rPr lang="en-GB" sz="3600" dirty="0">
-                <a:latin typeface="Segoe UI Light" panose="020B0502040204020203" pitchFamily="34" charset="0"/>
+                <a:latin typeface="Gill Sans MT" panose="020B0502020104020203" pitchFamily="34" charset="0"/>
               </a:rPr>
               <a:t>Example: ASP.NET Core and Giraffe</a:t>
             </a:r>
@@ -13935,11 +14007,11 @@
   <p:clrMapOvr>
     <a:masterClrMapping/>
   </p:clrMapOvr>
-  <mc:AlternateContent xmlns:mc="http://schemas.openxmlformats.org/markup-compatibility/2006">
-    <mc:Choice xmlns:p14="http://schemas.microsoft.com/office/powerpoint/2010/main" Requires="p14">
+  <mc:AlternateContent xmlns:mc="http://schemas.openxmlformats.org/markup-compatibility/2006" xmlns:p14="http://schemas.microsoft.com/office/powerpoint/2010/main">
+    <mc:Choice Requires="p14">
       <p:transition p14:dur="0"/>
     </mc:Choice>
-    <mc:Fallback>
+    <mc:Fallback xmlns="">
       <p:transition/>
     </mc:Fallback>
   </mc:AlternateContent>
@@ -14352,8 +14424,8 @@
         </p:nvSpPr>
         <p:spPr>
           <a:xfrm>
-            <a:off x="1708947" y="1406455"/>
-            <a:ext cx="8376787" cy="4265783"/>
+            <a:off x="1265887" y="661737"/>
+            <a:ext cx="9801181" cy="4875181"/>
           </a:xfrm>
         </p:spPr>
         <p:txBody>
@@ -14364,7 +14436,7 @@
               <a:rPr lang="en-GB" sz="4400" dirty="0">
                 <a:latin typeface="Segoe UI Light" panose="020B0502040204020203" pitchFamily="34" charset="0"/>
               </a:rPr>
-              <a:t>I am guilty here.  F# 2.0 was too cognitively dependent on .NET, Visual Studio etc.  </a:t>
+              <a:t>Cognitive independence does NOT mean using only functional programming everywhere</a:t>
             </a:r>
             <a:br>
               <a:rPr lang="en-GB" sz="4400" dirty="0">
@@ -14380,7 +14452,7 @@
               <a:rPr lang="en-GB" sz="4400" dirty="0">
                 <a:latin typeface="Segoe UI Light" panose="020B0502040204020203" pitchFamily="34" charset="0"/>
               </a:rPr>
-              <a:t>Please help me correct this</a:t>
+              <a:t>F# is functional-first, not “purely functional”.</a:t>
             </a:r>
             <a:br>
               <a:rPr lang="en-GB" sz="4400" dirty="0">
@@ -14392,6 +14464,12 @@
                 <a:latin typeface="Segoe UI Light" panose="020B0502040204020203" pitchFamily="34" charset="0"/>
               </a:rPr>
             </a:br>
+            <a:r>
+              <a:rPr lang="en-GB" sz="4400" dirty="0">
+                <a:latin typeface="Segoe UI Light" panose="020B0502040204020203" pitchFamily="34" charset="0"/>
+              </a:rPr>
+              <a:t>F# has object programming and dot notation for a reason. Use it!</a:t>
+            </a:r>
             <a:endParaRPr lang="en-GB" sz="3600" dirty="0">
               <a:latin typeface="Segoe UI Light" panose="020B0502040204020203" pitchFamily="34" charset="0"/>
             </a:endParaRPr>
@@ -14401,18 +14479,18 @@
     </p:spTree>
     <p:extLst>
       <p:ext uri="{BB962C8B-B14F-4D97-AF65-F5344CB8AC3E}">
-        <p14:creationId xmlns:p14="http://schemas.microsoft.com/office/powerpoint/2010/main" val="88194286"/>
+        <p14:creationId xmlns:p14="http://schemas.microsoft.com/office/powerpoint/2010/main" val="1181360745"/>
       </p:ext>
     </p:extLst>
   </p:cSld>
   <p:clrMapOvr>
     <a:masterClrMapping/>
   </p:clrMapOvr>
-  <mc:AlternateContent xmlns:mc="http://schemas.openxmlformats.org/markup-compatibility/2006">
-    <mc:Choice xmlns:p14="http://schemas.microsoft.com/office/powerpoint/2010/main" Requires="p14">
+  <mc:AlternateContent xmlns:mc="http://schemas.openxmlformats.org/markup-compatibility/2006" xmlns:p14="http://schemas.microsoft.com/office/powerpoint/2010/main">
+    <mc:Choice Requires="p14">
       <p:transition p14:dur="0"/>
     </mc:Choice>
-    <mc:Fallback>
+    <mc:Fallback xmlns="">
       <p:transition/>
     </mc:Fallback>
   </mc:AlternateContent>
@@ -14479,7 +14557,7 @@
                 <a:latin typeface="Gill Sans MT" panose="020B0502020104020203" pitchFamily="34" charset="0"/>
                 <a:cs typeface="Segoe UI Light" panose="020B0502040204020203" pitchFamily="34" charset="0"/>
               </a:rPr>
-              <a:t>What is Independence?</a:t>
+              <a:t>Independence means many things</a:t>
             </a:r>
             <a:br>
               <a:rPr lang="en-GB" dirty="0">
@@ -14498,7 +14576,7 @@
                 <a:latin typeface="Gill Sans MT" panose="020B0502020104020203" pitchFamily="34" charset="0"/>
                 <a:cs typeface="Segoe UI Light" panose="020B0502040204020203" pitchFamily="34" charset="0"/>
               </a:rPr>
-              <a:t>Theoretical</a:t>
+              <a:t>Existential</a:t>
             </a:r>
             <a:r>
               <a:rPr lang="en-GB" dirty="0">
@@ -14705,8 +14783,8 @@
         </p:nvSpPr>
         <p:spPr>
           <a:xfrm>
-            <a:off x="1265887" y="661737"/>
-            <a:ext cx="9801181" cy="5550527"/>
+            <a:off x="1195409" y="1027521"/>
+            <a:ext cx="9801181" cy="3933384"/>
           </a:xfrm>
         </p:spPr>
         <p:txBody>
@@ -14715,44 +14793,50 @@
           <a:p>
             <a:r>
               <a:rPr lang="en-GB" sz="4400" dirty="0">
-                <a:latin typeface="Segoe UI Light" panose="020B0502040204020203" pitchFamily="34" charset="0"/>
-              </a:rPr>
-              <a:t>Cognitive independence does NOT mean using only functional programming everywhere</a:t>
+                <a:latin typeface="Gill Sans MT" panose="020B0502020104020203" pitchFamily="34" charset="0"/>
+              </a:rPr>
+              <a:t>F# users thrive on programming experiences which offer “sweet spot” of cognitive independence and interoperability</a:t>
             </a:r>
             <a:br>
               <a:rPr lang="en-GB" sz="4400" dirty="0">
-                <a:latin typeface="Segoe UI Light" panose="020B0502040204020203" pitchFamily="34" charset="0"/>
+                <a:latin typeface="Gill Sans MT" panose="020B0502020104020203" pitchFamily="34" charset="0"/>
               </a:rPr>
             </a:br>
             <a:br>
               <a:rPr lang="en-GB" sz="4400" dirty="0">
-                <a:latin typeface="Segoe UI Light" panose="020B0502040204020203" pitchFamily="34" charset="0"/>
-              </a:rPr>
-            </a:br>
-            <a:r>
-              <a:rPr lang="en-GB" sz="4400" dirty="0">
-                <a:latin typeface="Segoe UI Light" panose="020B0502040204020203" pitchFamily="34" charset="0"/>
-              </a:rPr>
-              <a:t>F# is functional-first, not functional.</a:t>
-            </a:r>
-            <a:br>
-              <a:rPr lang="en-GB" sz="4400" dirty="0">
-                <a:latin typeface="Segoe UI Light" panose="020B0502040204020203" pitchFamily="34" charset="0"/>
-              </a:rPr>
-            </a:br>
-            <a:br>
-              <a:rPr lang="en-GB" sz="4400" dirty="0">
-                <a:latin typeface="Segoe UI Light" panose="020B0502040204020203" pitchFamily="34" charset="0"/>
-              </a:rPr>
-            </a:br>
-            <a:r>
-              <a:rPr lang="en-GB" sz="4400" dirty="0">
-                <a:latin typeface="Segoe UI Light" panose="020B0502040204020203" pitchFamily="34" charset="0"/>
-              </a:rPr>
-              <a:t>F# has object programming and dot notation for a reason. Use it!!!!</a:t>
-            </a:r>
-            <a:endParaRPr lang="en-GB" sz="3600" dirty="0">
-              <a:latin typeface="Segoe UI Light" panose="020B0502040204020203" pitchFamily="34" charset="0"/>
+                <a:latin typeface="Gill Sans MT" panose="020B0502020104020203" pitchFamily="34" charset="0"/>
+              </a:rPr>
+            </a:br>
+            <a:r>
+              <a:rPr lang="en-GB" sz="3600" dirty="0">
+                <a:latin typeface="Gill Sans MT" panose="020B0502020104020203" pitchFamily="34" charset="0"/>
+              </a:rPr>
+              <a:t>- do not need to think in C#</a:t>
+            </a:r>
+            <a:br>
+              <a:rPr lang="en-GB" sz="3600" dirty="0">
+                <a:latin typeface="Gill Sans MT" panose="020B0502020104020203" pitchFamily="34" charset="0"/>
+              </a:rPr>
+            </a:br>
+            <a:r>
+              <a:rPr lang="en-GB" sz="3600" dirty="0">
+                <a:latin typeface="Gill Sans MT" panose="020B0502020104020203" pitchFamily="34" charset="0"/>
+              </a:rPr>
+              <a:t>- do not drive you into corners that don’t work</a:t>
+            </a:r>
+            <a:br>
+              <a:rPr lang="en-GB" sz="3600" dirty="0">
+                <a:latin typeface="Gill Sans MT" panose="020B0502020104020203" pitchFamily="34" charset="0"/>
+              </a:rPr>
+            </a:br>
+            <a:r>
+              <a:rPr lang="en-GB" sz="3600" dirty="0">
+                <a:latin typeface="Gill Sans MT" panose="020B0502020104020203" pitchFamily="34" charset="0"/>
+              </a:rPr>
+              <a:t>- good examples in F#, not C#</a:t>
+            </a:r>
+            <a:endParaRPr lang="en-GB" sz="2800" dirty="0">
+              <a:latin typeface="Gill Sans MT" panose="020B0502020104020203" pitchFamily="34" charset="0"/>
             </a:endParaRPr>
           </a:p>
         </p:txBody>
@@ -14760,18 +14844,18 @@
     </p:spTree>
     <p:extLst>
       <p:ext uri="{BB962C8B-B14F-4D97-AF65-F5344CB8AC3E}">
-        <p14:creationId xmlns:p14="http://schemas.microsoft.com/office/powerpoint/2010/main" val="1181360745"/>
+        <p14:creationId xmlns:p14="http://schemas.microsoft.com/office/powerpoint/2010/main" val="1124948368"/>
       </p:ext>
     </p:extLst>
   </p:cSld>
   <p:clrMapOvr>
     <a:masterClrMapping/>
   </p:clrMapOvr>
-  <mc:AlternateContent xmlns:mc="http://schemas.openxmlformats.org/markup-compatibility/2006">
-    <mc:Choice xmlns:p14="http://schemas.microsoft.com/office/powerpoint/2010/main" Requires="p14">
+  <mc:AlternateContent xmlns:mc="http://schemas.openxmlformats.org/markup-compatibility/2006" xmlns:p14="http://schemas.microsoft.com/office/powerpoint/2010/main">
+    <mc:Choice Requires="p14">
       <p:transition p14:dur="0"/>
     </mc:Choice>
-    <mc:Fallback>
+    <mc:Fallback xmlns="">
       <p:transition/>
     </mc:Fallback>
   </mc:AlternateContent>
@@ -14807,66 +14891,90 @@
         </p:nvSpPr>
         <p:spPr>
           <a:xfrm>
-            <a:off x="1195409" y="1027521"/>
-            <a:ext cx="9801181" cy="3933384"/>
+            <a:off x="1027522" y="452487"/>
+            <a:ext cx="10246936" cy="5373779"/>
           </a:xfrm>
         </p:spPr>
         <p:txBody>
           <a:bodyPr/>
           <a:lstStyle/>
           <a:p>
-            <a:r>
-              <a:rPr lang="en-GB" sz="4400" dirty="0">
-                <a:latin typeface="Segoe UI Light" panose="020B0502040204020203" pitchFamily="34" charset="0"/>
-              </a:rPr>
-              <a:t>F# users thrive on programming experiences which offer “sweet spot” of cognitive independence and </a:t>
-            </a:r>
-            <a:r>
-              <a:rPr lang="en-GB" sz="4400" dirty="0" err="1">
-                <a:latin typeface="Segoe UI Light" panose="020B0502040204020203" pitchFamily="34" charset="0"/>
-              </a:rPr>
-              <a:t>interoperabilit</a:t>
-            </a:r>
-            <a:br>
-              <a:rPr lang="en-GB" sz="4400" dirty="0">
-                <a:latin typeface="Segoe UI Light" panose="020B0502040204020203" pitchFamily="34" charset="0"/>
-              </a:rPr>
-            </a:br>
-            <a:br>
-              <a:rPr lang="en-GB" sz="4400" dirty="0">
-                <a:latin typeface="Segoe UI Light" panose="020B0502040204020203" pitchFamily="34" charset="0"/>
-              </a:rPr>
-            </a:br>
-            <a:r>
+            <a:br>
               <a:rPr lang="en-GB" sz="3600" dirty="0">
-                <a:latin typeface="Segoe UI Light" panose="020B0502040204020203" pitchFamily="34" charset="0"/>
-              </a:rPr>
-              <a:t>- do not need to think in C#</a:t>
-            </a:r>
+                <a:latin typeface="Gill Sans MT" panose="020B0502020104020203" pitchFamily="34" charset="0"/>
+              </a:rPr>
+            </a:br>
             <a:br>
               <a:rPr lang="en-GB" sz="3600" dirty="0">
-                <a:latin typeface="Segoe UI Light" panose="020B0502040204020203" pitchFamily="34" charset="0"/>
-              </a:rPr>
-            </a:br>
-            <a:r>
+                <a:latin typeface="Gill Sans MT" panose="020B0502020104020203" pitchFamily="34" charset="0"/>
+              </a:rPr>
+            </a:br>
+            <a:br>
               <a:rPr lang="en-GB" sz="3600" dirty="0">
-                <a:latin typeface="Segoe UI Light" panose="020B0502040204020203" pitchFamily="34" charset="0"/>
-              </a:rPr>
-              <a:t>- do not drive you into corners that don’t work</a:t>
-            </a:r>
+                <a:latin typeface="Gill Sans MT" panose="020B0502020104020203" pitchFamily="34" charset="0"/>
+              </a:rPr>
+            </a:br>
+            <a:r>
+              <a:rPr lang="en-GB" sz="4800" dirty="0">
+                <a:latin typeface="Gill Sans MT" panose="020B0502020104020203" pitchFamily="34" charset="0"/>
+              </a:rPr>
+              <a:t>Examine yourself</a:t>
+            </a:r>
+            <a:br>
+              <a:rPr lang="en-GB" sz="4800" dirty="0">
+                <a:latin typeface="Gill Sans MT" panose="020B0502020104020203" pitchFamily="34" charset="0"/>
+              </a:rPr>
+            </a:br>
             <a:br>
               <a:rPr lang="en-GB" sz="3600" dirty="0">
-                <a:latin typeface="Segoe UI Light" panose="020B0502040204020203" pitchFamily="34" charset="0"/>
-              </a:rPr>
-            </a:br>
-            <a:r>
+                <a:latin typeface="Gill Sans MT" panose="020B0502020104020203" pitchFamily="34" charset="0"/>
+              </a:rPr>
+            </a:br>
+            <a:br>
               <a:rPr lang="en-GB" sz="3600" dirty="0">
-                <a:latin typeface="Segoe UI Light" panose="020B0502040204020203" pitchFamily="34" charset="0"/>
-              </a:rPr>
-              <a:t>- good examples in F#, not C#</a:t>
-            </a:r>
-            <a:endParaRPr lang="en-GB" sz="2800" dirty="0">
-              <a:latin typeface="Segoe UI Light" panose="020B0502040204020203" pitchFamily="34" charset="0"/>
+                <a:latin typeface="Gill Sans MT" panose="020B0502020104020203" pitchFamily="34" charset="0"/>
+              </a:rPr>
+            </a:br>
+            <a:r>
+              <a:rPr lang="en-GB" sz="3200" dirty="0">
+                <a:latin typeface="Gill Sans MT" panose="020B0502020104020203" pitchFamily="34" charset="0"/>
+              </a:rPr>
+              <a:t>Am I helping to make F# cognitively independent from C#?</a:t>
+            </a:r>
+            <a:br>
+              <a:rPr lang="en-GB" sz="3200" dirty="0">
+                <a:latin typeface="Gill Sans MT" panose="020B0502020104020203" pitchFamily="34" charset="0"/>
+              </a:rPr>
+            </a:br>
+            <a:br>
+              <a:rPr lang="en-GB" sz="3200" dirty="0">
+                <a:latin typeface="Gill Sans MT" panose="020B0502020104020203" pitchFamily="34" charset="0"/>
+              </a:rPr>
+            </a:br>
+            <a:r>
+              <a:rPr lang="en-GB" sz="3200" dirty="0">
+                <a:latin typeface="Gill Sans MT" panose="020B0502020104020203" pitchFamily="34" charset="0"/>
+              </a:rPr>
+              <a:t>Am I helping to make F# cognitively independent from Haskell?</a:t>
+            </a:r>
+            <a:br>
+              <a:rPr lang="en-GB" sz="3200" dirty="0">
+                <a:latin typeface="Gill Sans MT" panose="020B0502020104020203" pitchFamily="34" charset="0"/>
+              </a:rPr>
+            </a:br>
+            <a:br>
+              <a:rPr lang="en-GB" sz="3200" dirty="0">
+                <a:latin typeface="Gill Sans MT" panose="020B0502020104020203" pitchFamily="34" charset="0"/>
+              </a:rPr>
+            </a:br>
+            <a:r>
+              <a:rPr lang="en-GB" sz="3200" dirty="0">
+                <a:latin typeface="Gill Sans MT" panose="020B0502020104020203" pitchFamily="34" charset="0"/>
+              </a:rPr>
+              <a:t>Be part of the solution, not part of the problem</a:t>
+            </a:r>
+            <a:endParaRPr lang="en-GB" sz="3600" dirty="0">
+              <a:latin typeface="Gill Sans MT" panose="020B0502020104020203" pitchFamily="34" charset="0"/>
             </a:endParaRPr>
           </a:p>
         </p:txBody>
@@ -14874,18 +14982,18 @@
     </p:spTree>
     <p:extLst>
       <p:ext uri="{BB962C8B-B14F-4D97-AF65-F5344CB8AC3E}">
-        <p14:creationId xmlns:p14="http://schemas.microsoft.com/office/powerpoint/2010/main" val="1124948368"/>
+        <p14:creationId xmlns:p14="http://schemas.microsoft.com/office/powerpoint/2010/main" val="88194286"/>
       </p:ext>
     </p:extLst>
   </p:cSld>
   <p:clrMapOvr>
     <a:masterClrMapping/>
   </p:clrMapOvr>
-  <mc:AlternateContent xmlns:mc="http://schemas.openxmlformats.org/markup-compatibility/2006">
-    <mc:Choice xmlns:p14="http://schemas.microsoft.com/office/powerpoint/2010/main" Requires="p14">
+  <mc:AlternateContent xmlns:mc="http://schemas.openxmlformats.org/markup-compatibility/2006" xmlns:p14="http://schemas.microsoft.com/office/powerpoint/2010/main">
+    <mc:Choice Requires="p14">
       <p:transition p14:dur="0"/>
     </mc:Choice>
-    <mc:Fallback>
+    <mc:Fallback xmlns="">
       <p:transition/>
     </mc:Fallback>
   </mc:AlternateContent>
@@ -14922,7 +15030,7 @@
         <p:spPr>
           <a:xfrm>
             <a:off x="1708947" y="1406455"/>
-            <a:ext cx="8376787" cy="3102388"/>
+            <a:ext cx="8376787" cy="2603790"/>
           </a:xfrm>
         </p:spPr>
         <p:txBody>
@@ -14931,23 +15039,23 @@
           <a:p>
             <a:r>
               <a:rPr lang="en-GB" sz="4400" dirty="0">
-                <a:latin typeface="Segoe UI Light" panose="020B0502040204020203" pitchFamily="34" charset="0"/>
+                <a:latin typeface="Gill Sans MT" panose="020B0502020104020203" pitchFamily="34" charset="0"/>
               </a:rPr>
               <a:t>Memetic Independence</a:t>
             </a:r>
             <a:br>
               <a:rPr lang="en-GB" sz="4400" dirty="0">
-                <a:latin typeface="Segoe UI Light" panose="020B0502040204020203" pitchFamily="34" charset="0"/>
+                <a:latin typeface="Gill Sans MT" panose="020B0502020104020203" pitchFamily="34" charset="0"/>
               </a:rPr>
             </a:br>
             <a:br>
               <a:rPr lang="en-GB" sz="3600" dirty="0">
-                <a:latin typeface="Segoe UI Light" panose="020B0502040204020203" pitchFamily="34" charset="0"/>
+                <a:latin typeface="Gill Sans MT" panose="020B0502020104020203" pitchFamily="34" charset="0"/>
               </a:rPr>
             </a:br>
             <a:r>
               <a:rPr lang="en-GB" sz="3600" i="1" dirty="0">
-                <a:latin typeface="Segoe UI Light" panose="020B0502040204020203" pitchFamily="34" charset="0"/>
+                <a:latin typeface="Gill Sans MT" panose="020B0502020104020203" pitchFamily="34" charset="0"/>
               </a:rPr>
               <a:t>When a technology can be virally communicated as an idea independently of other technologies, associations or vested interests</a:t>
             </a:r>
@@ -15014,92 +15122,92 @@
           <a:p>
             <a:r>
               <a:rPr lang="en-GB" sz="4000" dirty="0">
-                <a:latin typeface="Segoe UI Light" panose="020B0502040204020203" pitchFamily="34" charset="0"/>
+                <a:latin typeface="Gill Sans MT" panose="020B0502020104020203" pitchFamily="34" charset="0"/>
               </a:rPr>
               <a:t>Does Visual Basic have memetic independence? </a:t>
             </a:r>
             <a:br>
               <a:rPr lang="en-GB" sz="4000" dirty="0">
-                <a:latin typeface="Segoe UI Light" panose="020B0502040204020203" pitchFamily="34" charset="0"/>
+                <a:latin typeface="Gill Sans MT" panose="020B0502020104020203" pitchFamily="34" charset="0"/>
               </a:rPr>
             </a:br>
             <a:br>
               <a:rPr lang="en-GB" sz="1600" dirty="0">
-                <a:latin typeface="Segoe UI Light" panose="020B0502040204020203" pitchFamily="34" charset="0"/>
+                <a:latin typeface="Gill Sans MT" panose="020B0502020104020203" pitchFamily="34" charset="0"/>
               </a:rPr>
             </a:br>
             <a:r>
               <a:rPr lang="en-GB" sz="4000" dirty="0">
-                <a:latin typeface="Segoe UI Light" panose="020B0502040204020203" pitchFamily="34" charset="0"/>
+                <a:latin typeface="Gill Sans MT" panose="020B0502020104020203" pitchFamily="34" charset="0"/>
               </a:rPr>
               <a:t>No </a:t>
             </a:r>
             <a:br>
               <a:rPr lang="en-GB" sz="4000" dirty="0">
-                <a:latin typeface="Segoe UI Light" panose="020B0502040204020203" pitchFamily="34" charset="0"/>
+                <a:latin typeface="Gill Sans MT" panose="020B0502020104020203" pitchFamily="34" charset="0"/>
               </a:rPr>
             </a:br>
             <a:br>
               <a:rPr lang="en-GB" sz="4000" dirty="0">
-                <a:latin typeface="Segoe UI Light" panose="020B0502040204020203" pitchFamily="34" charset="0"/>
+                <a:latin typeface="Gill Sans MT" panose="020B0502020104020203" pitchFamily="34" charset="0"/>
               </a:rPr>
             </a:br>
             <a:r>
               <a:rPr lang="en-GB" sz="4000" dirty="0">
-                <a:latin typeface="Segoe UI Light" panose="020B0502040204020203" pitchFamily="34" charset="0"/>
+                <a:latin typeface="Gill Sans MT" panose="020B0502020104020203" pitchFamily="34" charset="0"/>
               </a:rPr>
               <a:t>Does F# have memetic independence?</a:t>
             </a:r>
             <a:br>
               <a:rPr lang="en-GB" sz="4000" dirty="0">
-                <a:latin typeface="Segoe UI Light" panose="020B0502040204020203" pitchFamily="34" charset="0"/>
+                <a:latin typeface="Gill Sans MT" panose="020B0502020104020203" pitchFamily="34" charset="0"/>
               </a:rPr>
             </a:br>
             <a:br>
               <a:rPr lang="en-GB" sz="1800" dirty="0">
-                <a:latin typeface="Segoe UI Light" panose="020B0502040204020203" pitchFamily="34" charset="0"/>
+                <a:latin typeface="Gill Sans MT" panose="020B0502020104020203" pitchFamily="34" charset="0"/>
               </a:rPr>
             </a:br>
             <a:r>
               <a:rPr lang="en-GB" sz="4000" dirty="0">
-                <a:latin typeface="Segoe UI Light" panose="020B0502040204020203" pitchFamily="34" charset="0"/>
+                <a:latin typeface="Gill Sans MT" panose="020B0502020104020203" pitchFamily="34" charset="0"/>
               </a:rPr>
               <a:t>It comes and goes!!!!</a:t>
             </a:r>
             <a:br>
               <a:rPr lang="en-GB" sz="4000" dirty="0">
-                <a:latin typeface="Segoe UI Light" panose="020B0502040204020203" pitchFamily="34" charset="0"/>
+                <a:latin typeface="Gill Sans MT" panose="020B0502020104020203" pitchFamily="34" charset="0"/>
               </a:rPr>
             </a:br>
             <a:br>
               <a:rPr lang="en-GB" sz="4000" dirty="0">
-                <a:latin typeface="Segoe UI Light" panose="020B0502040204020203" pitchFamily="34" charset="0"/>
+                <a:latin typeface="Gill Sans MT" panose="020B0502020104020203" pitchFamily="34" charset="0"/>
               </a:rPr>
             </a:br>
             <a:r>
               <a:rPr lang="en-GB" sz="4000" dirty="0">
-                <a:latin typeface="Segoe UI Light" panose="020B0502040204020203" pitchFamily="34" charset="0"/>
+                <a:latin typeface="Gill Sans MT" panose="020B0502020104020203" pitchFamily="34" charset="0"/>
               </a:rPr>
               <a:t>Do .NET and C# have memetic independence? </a:t>
             </a:r>
             <a:br>
               <a:rPr lang="en-GB" sz="4000" dirty="0">
-                <a:latin typeface="Segoe UI Light" panose="020B0502040204020203" pitchFamily="34" charset="0"/>
+                <a:latin typeface="Gill Sans MT" panose="020B0502020104020203" pitchFamily="34" charset="0"/>
               </a:rPr>
             </a:br>
             <a:br>
               <a:rPr lang="en-GB" sz="1800" dirty="0">
-                <a:latin typeface="Segoe UI Light" panose="020B0502040204020203" pitchFamily="34" charset="0"/>
+                <a:latin typeface="Gill Sans MT" panose="020B0502020104020203" pitchFamily="34" charset="0"/>
               </a:rPr>
             </a:br>
             <a:r>
               <a:rPr lang="en-GB" sz="4000" dirty="0">
-                <a:latin typeface="Segoe UI Light" panose="020B0502040204020203" pitchFamily="34" charset="0"/>
+                <a:latin typeface="Gill Sans MT" panose="020B0502020104020203" pitchFamily="34" charset="0"/>
               </a:rPr>
               <a:t>Your challenge</a:t>
             </a:r>
             <a:endParaRPr lang="en-GB" sz="4000" i="1" dirty="0">
-              <a:latin typeface="Segoe UI Light" panose="020B0502040204020203" pitchFamily="34" charset="0"/>
+              <a:latin typeface="Gill Sans MT" panose="020B0502020104020203" pitchFamily="34" charset="0"/>
             </a:endParaRPr>
           </a:p>
         </p:txBody>
@@ -15184,7 +15292,7 @@
         <p:spPr>
           <a:xfrm>
             <a:off x="519248" y="1447396"/>
-            <a:ext cx="11151917" cy="4430444"/>
+            <a:ext cx="11151917" cy="3807581"/>
           </a:xfrm>
         </p:spPr>
         <p:txBody>
@@ -15196,7 +15304,7 @@
             </a:pPr>
             <a:r>
               <a:rPr lang="en-GB" sz="2800" dirty="0">
-                <a:latin typeface="Segoe UI Light" panose="020B0502040204020203" pitchFamily="34" charset="0"/>
+                <a:latin typeface="Gill Sans MT" panose="020B0502020104020203" pitchFamily="34" charset="0"/>
                 <a:cs typeface="Segoe UI Light" panose="020B0502040204020203" pitchFamily="34" charset="0"/>
               </a:rPr>
               <a:t>Memetic independence.  </a:t>
@@ -15207,7 +15315,7 @@
               <a:buNone/>
             </a:pPr>
             <a:endParaRPr lang="en-GB" sz="900" dirty="0">
-              <a:latin typeface="Segoe UI Light" panose="020B0502040204020203" pitchFamily="34" charset="0"/>
+              <a:latin typeface="Gill Sans MT" panose="020B0502020104020203" pitchFamily="34" charset="0"/>
               <a:cs typeface="Segoe UI Light" panose="020B0502040204020203" pitchFamily="34" charset="0"/>
             </a:endParaRPr>
           </a:p>
@@ -15217,24 +15325,10 @@
             </a:pPr>
             <a:r>
               <a:rPr lang="en-GB" sz="2800" dirty="0">
-                <a:latin typeface="Segoe UI Light" panose="020B0502040204020203" pitchFamily="34" charset="0"/>
+                <a:latin typeface="Gill Sans MT" panose="020B0502020104020203" pitchFamily="34" charset="0"/>
                 <a:cs typeface="Segoe UI Light" panose="020B0502040204020203" pitchFamily="34" charset="0"/>
               </a:rPr>
-              <a:t>A community(</a:t>
-            </a:r>
-            <a:r>
-              <a:rPr lang="en-GB" sz="2800" dirty="0" err="1">
-                <a:latin typeface="Segoe UI Light" panose="020B0502040204020203" pitchFamily="34" charset="0"/>
-                <a:cs typeface="Segoe UI Light" panose="020B0502040204020203" pitchFamily="34" charset="0"/>
-              </a:rPr>
-              <a:t>ies</a:t>
-            </a:r>
-            <a:r>
-              <a:rPr lang="en-GB" sz="2800" dirty="0">
-                <a:latin typeface="Segoe UI Light" panose="020B0502040204020203" pitchFamily="34" charset="0"/>
-                <a:cs typeface="Segoe UI Light" panose="020B0502040204020203" pitchFamily="34" charset="0"/>
-              </a:rPr>
-              <a:t>) that is worth being a part of. </a:t>
+              <a:t>Communities that are worth being a part of. </a:t>
             </a:r>
           </a:p>
           <a:p>
@@ -15242,7 +15336,7 @@
               <a:buNone/>
             </a:pPr>
             <a:endParaRPr lang="en-GB" sz="900" dirty="0">
-              <a:latin typeface="Segoe UI Light" panose="020B0502040204020203" pitchFamily="34" charset="0"/>
+              <a:latin typeface="Gill Sans MT" panose="020B0502020104020203" pitchFamily="34" charset="0"/>
               <a:cs typeface="Segoe UI Light" panose="020B0502040204020203" pitchFamily="34" charset="0"/>
             </a:endParaRPr>
           </a:p>
@@ -15252,24 +15346,10 @@
             </a:pPr>
             <a:r>
               <a:rPr lang="en-GB" sz="2800" dirty="0">
-                <a:latin typeface="Segoe UI Light" panose="020B0502040204020203" pitchFamily="34" charset="0"/>
+                <a:latin typeface="Gill Sans MT" panose="020B0502020104020203" pitchFamily="34" charset="0"/>
                 <a:cs typeface="Segoe UI Light" panose="020B0502040204020203" pitchFamily="34" charset="0"/>
               </a:rPr>
-              <a:t>A community(</a:t>
-            </a:r>
-            <a:r>
-              <a:rPr lang="en-GB" sz="2800" dirty="0" err="1">
-                <a:latin typeface="Segoe UI Light" panose="020B0502040204020203" pitchFamily="34" charset="0"/>
-                <a:cs typeface="Segoe UI Light" panose="020B0502040204020203" pitchFamily="34" charset="0"/>
-              </a:rPr>
-              <a:t>ies</a:t>
-            </a:r>
-            <a:r>
-              <a:rPr lang="en-GB" sz="2800" dirty="0">
-                <a:latin typeface="Segoe UI Light" panose="020B0502040204020203" pitchFamily="34" charset="0"/>
-                <a:cs typeface="Segoe UI Light" panose="020B0502040204020203" pitchFamily="34" charset="0"/>
-              </a:rPr>
-              <a:t>) with strong, positive voices of their own.  </a:t>
+              <a:t>Communities with strong, positive voices of their own.  </a:t>
             </a:r>
           </a:p>
           <a:p>
@@ -15277,7 +15357,7 @@
               <a:buNone/>
             </a:pPr>
             <a:endParaRPr lang="en-GB" sz="900" dirty="0">
-              <a:latin typeface="Segoe UI Light" panose="020B0502040204020203" pitchFamily="34" charset="0"/>
+              <a:latin typeface="Gill Sans MT" panose="020B0502020104020203" pitchFamily="34" charset="0"/>
               <a:cs typeface="Segoe UI Light" panose="020B0502040204020203" pitchFamily="34" charset="0"/>
             </a:endParaRPr>
           </a:p>
@@ -15287,24 +15367,10 @@
             </a:pPr>
             <a:r>
               <a:rPr lang="en-GB" sz="2800" dirty="0">
-                <a:latin typeface="Segoe UI Light" panose="020B0502040204020203" pitchFamily="34" charset="0"/>
+                <a:latin typeface="Gill Sans MT" panose="020B0502020104020203" pitchFamily="34" charset="0"/>
                 <a:cs typeface="Segoe UI Light" panose="020B0502040204020203" pitchFamily="34" charset="0"/>
               </a:rPr>
-              <a:t>A community(</a:t>
-            </a:r>
-            <a:r>
-              <a:rPr lang="en-GB" sz="2800" dirty="0" err="1">
-                <a:latin typeface="Segoe UI Light" panose="020B0502040204020203" pitchFamily="34" charset="0"/>
-                <a:cs typeface="Segoe UI Light" panose="020B0502040204020203" pitchFamily="34" charset="0"/>
-              </a:rPr>
-              <a:t>ies</a:t>
-            </a:r>
-            <a:r>
-              <a:rPr lang="en-GB" sz="2800" dirty="0">
-                <a:latin typeface="Segoe UI Light" panose="020B0502040204020203" pitchFamily="34" charset="0"/>
-                <a:cs typeface="Segoe UI Light" panose="020B0502040204020203" pitchFamily="34" charset="0"/>
-              </a:rPr>
-              <a:t>) that can include people and companies who are not aligned to Microsoft's interests.</a:t>
+              <a:t>Communities that can include people and companies who are not aligned to commercial interests.</a:t>
             </a:r>
           </a:p>
           <a:p>
@@ -15312,7 +15378,7 @@
               <a:buNone/>
             </a:pPr>
             <a:endParaRPr lang="en-GB" sz="800" dirty="0">
-              <a:latin typeface="Segoe UI Light" panose="020B0502040204020203" pitchFamily="34" charset="0"/>
+              <a:latin typeface="Gill Sans MT" panose="020B0502020104020203" pitchFamily="34" charset="0"/>
               <a:cs typeface="Segoe UI Light" panose="020B0502040204020203" pitchFamily="34" charset="0"/>
             </a:endParaRPr>
           </a:p>
@@ -15322,24 +15388,10 @@
             </a:pPr>
             <a:r>
               <a:rPr lang="en-GB" sz="2800" dirty="0">
-                <a:latin typeface="Segoe UI Light" panose="020B0502040204020203" pitchFamily="34" charset="0"/>
+                <a:latin typeface="Gill Sans MT" panose="020B0502020104020203" pitchFamily="34" charset="0"/>
                 <a:cs typeface="Segoe UI Light" panose="020B0502040204020203" pitchFamily="34" charset="0"/>
               </a:rPr>
-              <a:t>A community(</a:t>
-            </a:r>
-            <a:r>
-              <a:rPr lang="en-GB" sz="2800" dirty="0" err="1">
-                <a:latin typeface="Segoe UI Light" panose="020B0502040204020203" pitchFamily="34" charset="0"/>
-                <a:cs typeface="Segoe UI Light" panose="020B0502040204020203" pitchFamily="34" charset="0"/>
-              </a:rPr>
-              <a:t>ies</a:t>
-            </a:r>
-            <a:r>
-              <a:rPr lang="en-GB" sz="2800" dirty="0">
-                <a:latin typeface="Segoe UI Light" panose="020B0502040204020203" pitchFamily="34" charset="0"/>
-                <a:cs typeface="Segoe UI Light" panose="020B0502040204020203" pitchFamily="34" charset="0"/>
-              </a:rPr>
-              <a:t>) with generational renewal. A place for 20-year olds. 18 year olds. 16 year olds.  </a:t>
+              <a:t>Communities with generational renewal. A place for 20-year olds. 18 year olds. 16 year olds.  </a:t>
             </a:r>
           </a:p>
           <a:p>
@@ -15347,28 +15399,7 @@
               <a:buNone/>
             </a:pPr>
             <a:endParaRPr lang="en-GB" sz="900" dirty="0">
-              <a:latin typeface="Segoe UI Light" panose="020B0502040204020203" pitchFamily="34" charset="0"/>
-              <a:cs typeface="Segoe UI Light" panose="020B0502040204020203" pitchFamily="34" charset="0"/>
-            </a:endParaRPr>
-          </a:p>
-          <a:p>
-            <a:pPr marL="0" indent="0" fontAlgn="ctr">
-              <a:buNone/>
-            </a:pPr>
-            <a:r>
-              <a:rPr lang="en-GB" sz="2800" dirty="0">
-                <a:latin typeface="Segoe UI Light" panose="020B0502040204020203" pitchFamily="34" charset="0"/>
-                <a:cs typeface="Segoe UI Light" panose="020B0502040204020203" pitchFamily="34" charset="0"/>
-              </a:rPr>
-              <a:t>A Technology Creators Conference open to all .NET tech creators </a:t>
-            </a:r>
-          </a:p>
-          <a:p>
-            <a:pPr marL="0" indent="0" fontAlgn="ctr">
-              <a:buNone/>
-            </a:pPr>
-            <a:endParaRPr lang="en-GB" sz="900" dirty="0">
-              <a:latin typeface="Segoe UI Light" panose="020B0502040204020203" pitchFamily="34" charset="0"/>
+              <a:latin typeface="Gill Sans MT" panose="020B0502020104020203" pitchFamily="34" charset="0"/>
               <a:cs typeface="Segoe UI Light" panose="020B0502040204020203" pitchFamily="34" charset="0"/>
             </a:endParaRPr>
           </a:p>
@@ -15424,6 +15455,76 @@
         </p:nvSpPr>
         <p:spPr>
           <a:xfrm>
+            <a:off x="1907606" y="2471684"/>
+            <a:ext cx="8376787" cy="609398"/>
+          </a:xfrm>
+        </p:spPr>
+        <p:txBody>
+          <a:bodyPr/>
+          <a:lstStyle/>
+          <a:p>
+            <a:r>
+              <a:rPr lang="en-GB" sz="4400" dirty="0">
+                <a:latin typeface="Gill Sans MT" panose="020B0502020104020203" pitchFamily="34" charset="0"/>
+              </a:rPr>
+              <a:t>Independence and OSS Projects</a:t>
+            </a:r>
+            <a:endParaRPr lang="en-GB" sz="3600" i="1" dirty="0">
+              <a:latin typeface="Gill Sans MT" panose="020B0502020104020203" pitchFamily="34" charset="0"/>
+            </a:endParaRPr>
+          </a:p>
+        </p:txBody>
+      </p:sp>
+    </p:spTree>
+    <p:extLst>
+      <p:ext uri="{BB962C8B-B14F-4D97-AF65-F5344CB8AC3E}">
+        <p14:creationId xmlns:p14="http://schemas.microsoft.com/office/powerpoint/2010/main" val="301109589"/>
+      </p:ext>
+    </p:extLst>
+  </p:cSld>
+  <p:clrMapOvr>
+    <a:masterClrMapping/>
+  </p:clrMapOvr>
+  <mc:AlternateContent xmlns:mc="http://schemas.openxmlformats.org/markup-compatibility/2006">
+    <mc:Choice xmlns:p14="http://schemas.microsoft.com/office/powerpoint/2010/main" Requires="p14">
+      <p:transition p14:dur="0"/>
+    </mc:Choice>
+    <mc:Fallback>
+      <p:transition/>
+    </mc:Fallback>
+  </mc:AlternateContent>
+</p:sld>
+</file>
+
+<file path=ppt/slides/slide36.xml><?xml version="1.0" encoding="utf-8"?>
+<p:sld xmlns:a="http://schemas.openxmlformats.org/drawingml/2006/main" xmlns:r="http://schemas.openxmlformats.org/officeDocument/2006/relationships" xmlns:p="http://schemas.openxmlformats.org/presentationml/2006/main">
+  <p:cSld>
+    <p:spTree>
+      <p:nvGrpSpPr>
+        <p:cNvPr id="1" name=""/>
+        <p:cNvGrpSpPr/>
+        <p:nvPr/>
+      </p:nvGrpSpPr>
+      <p:grpSpPr>
+        <a:xfrm>
+          <a:off x="0" y="0"/>
+          <a:ext cx="0" cy="0"/>
+          <a:chOff x="0" y="0"/>
+          <a:chExt cx="0" cy="0"/>
+        </a:xfrm>
+      </p:grpSpPr>
+      <p:sp>
+        <p:nvSpPr>
+          <p:cNvPr id="2" name="Title 1"/>
+          <p:cNvSpPr>
+            <a:spLocks noGrp="1"/>
+          </p:cNvSpPr>
+          <p:nvPr>
+            <p:ph type="title"/>
+          </p:nvPr>
+        </p:nvSpPr>
+        <p:spPr>
+          <a:xfrm>
             <a:off x="519248" y="228601"/>
             <a:ext cx="11151917" cy="609398"/>
           </a:xfrm>
@@ -15434,9 +15535,9 @@
           <a:p>
             <a:r>
               <a:rPr lang="en-GB" sz="4400" dirty="0">
-                <a:latin typeface="Segoe UI Light" panose="020B0502040204020203" pitchFamily="34" charset="0"/>
-              </a:rPr>
-              <a:t>Warning Signs…</a:t>
+                <a:latin typeface="Gill Sans MT" panose="020B0502020104020203" pitchFamily="34" charset="0"/>
+              </a:rPr>
+              <a:t>Ask yourself the hard questions!</a:t>
             </a:r>
           </a:p>
         </p:txBody>
@@ -15454,7 +15555,7 @@
         <p:spPr>
           <a:xfrm>
             <a:off x="519248" y="1447396"/>
-            <a:ext cx="11151917" cy="5014450"/>
+            <a:ext cx="11151917" cy="4578176"/>
           </a:xfrm>
         </p:spPr>
         <p:txBody>
@@ -15466,56 +15567,39 @@
             </a:pPr>
             <a:r>
               <a:rPr lang="en-GB" sz="2800" dirty="0">
-                <a:latin typeface="Segoe UI Light" panose="020B0502040204020203" pitchFamily="34" charset="0"/>
+                <a:latin typeface="Gill Sans MT" panose="020B0502020104020203" pitchFamily="34" charset="0"/>
                 <a:cs typeface="Segoe UI Light" panose="020B0502040204020203" pitchFamily="34" charset="0"/>
               </a:rPr>
-              <a:t>When searching for .NET/C#/F# leads you straight to one company</a:t>
-            </a:r>
-          </a:p>
-          <a:p>
-            <a:pPr fontAlgn="ctr"/>
-            <a:endParaRPr lang="en-GB" sz="1050" dirty="0">
-              <a:latin typeface="Segoe UI Light" panose="020B0502040204020203" pitchFamily="34" charset="0"/>
-              <a:cs typeface="Segoe UI Light" panose="020B0502040204020203" pitchFamily="34" charset="0"/>
-            </a:endParaRPr>
+              <a:t>My OSS project needs dependencies, but which ones?</a:t>
+            </a:r>
           </a:p>
           <a:p>
             <a:pPr marL="0" indent="0" fontAlgn="ctr">
               <a:buNone/>
             </a:pPr>
-            <a:r>
-              <a:rPr lang="en-GB" sz="2800" dirty="0">
-                <a:latin typeface="Segoe UI Light" panose="020B0502040204020203" pitchFamily="34" charset="0"/>
-                <a:cs typeface="Segoe UI Light" panose="020B0502040204020203" pitchFamily="34" charset="0"/>
-              </a:rPr>
-              <a:t>When the first sentence explaining .NET includes “Windows”, “Microsoft” or “Visual Studio” 100% of the time.  </a:t>
-            </a:r>
+            <a:endParaRPr lang="en-GB" sz="2800" dirty="0">
+              <a:latin typeface="Gill Sans MT" panose="020B0502020104020203" pitchFamily="34" charset="0"/>
+              <a:cs typeface="Segoe UI Light" panose="020B0502040204020203" pitchFamily="34" charset="0"/>
+            </a:endParaRPr>
           </a:p>
           <a:p>
             <a:pPr marL="0" indent="0" fontAlgn="ctr">
               <a:buNone/>
             </a:pPr>
-            <a:endParaRPr lang="en-GB" sz="1100" dirty="0">
-              <a:latin typeface="Segoe UI Light" panose="020B0502040204020203" pitchFamily="34" charset="0"/>
-              <a:cs typeface="Segoe UI Light" panose="020B0502040204020203" pitchFamily="34" charset="0"/>
-            </a:endParaRPr>
+            <a:r>
+              <a:rPr lang="en-GB" sz="2800" dirty="0">
+                <a:latin typeface="Gill Sans MT" panose="020B0502020104020203" pitchFamily="34" charset="0"/>
+                <a:cs typeface="Segoe UI Light" panose="020B0502040204020203" pitchFamily="34" charset="0"/>
+              </a:rPr>
+              <a:t>Is my project too complex for others to maintain?  If so, does it deserve to exist? Can I improve this?</a:t>
+            </a:r>
           </a:p>
           <a:p>
             <a:pPr marL="0" indent="0" fontAlgn="ctr">
               <a:buNone/>
             </a:pPr>
-            <a:r>
-              <a:rPr lang="en-GB" sz="2800" dirty="0">
-                <a:latin typeface="Segoe UI Light" panose="020B0502040204020203" pitchFamily="34" charset="0"/>
-                <a:cs typeface="Segoe UI Light" panose="020B0502040204020203" pitchFamily="34" charset="0"/>
-              </a:rPr>
-              <a:t>When you can only reasonably contribute to a technology on Windows</a:t>
-            </a:r>
-          </a:p>
-          <a:p>
-            <a:pPr fontAlgn="ctr"/>
-            <a:endParaRPr lang="en-GB" sz="1100" dirty="0">
-              <a:latin typeface="Segoe UI Light" panose="020B0502040204020203" pitchFamily="34" charset="0"/>
+            <a:endParaRPr lang="en-GB" sz="2800" dirty="0">
+              <a:latin typeface="Gill Sans MT" panose="020B0502020104020203" pitchFamily="34" charset="0"/>
               <a:cs typeface="Segoe UI Light" panose="020B0502040204020203" pitchFamily="34" charset="0"/>
             </a:endParaRPr>
           </a:p>
@@ -15525,83 +15609,77 @@
             </a:pPr>
             <a:r>
               <a:rPr lang="en-GB" sz="2800" dirty="0">
-                <a:latin typeface="Segoe UI Light" panose="020B0502040204020203" pitchFamily="34" charset="0"/>
+                <a:latin typeface="Gill Sans MT" panose="020B0502020104020203" pitchFamily="34" charset="0"/>
                 <a:cs typeface="Segoe UI Light" panose="020B0502040204020203" pitchFamily="34" charset="0"/>
               </a:rPr>
-              <a:t>When all major community contributors are MVPs from one company.</a:t>
-            </a:r>
-          </a:p>
-          <a:p>
-            <a:pPr fontAlgn="ctr"/>
-            <a:endParaRPr lang="en-GB" sz="1100" dirty="0">
-              <a:latin typeface="Segoe UI Light" panose="020B0502040204020203" pitchFamily="34" charset="0"/>
-              <a:cs typeface="Segoe UI Light" panose="020B0502040204020203" pitchFamily="34" charset="0"/>
-            </a:endParaRPr>
-          </a:p>
-          <a:p>
-            <a:pPr marL="0" indent="0" fontAlgn="ctr">
-              <a:buNone/>
+              <a:t>Is my OSS project existentially dependent on me?   Am I working to improve this?</a:t>
+            </a:r>
+          </a:p>
+          <a:p>
+            <a:pPr fontAlgn="ctr">
+              <a:buFontTx/>
+              <a:buChar char="-"/>
             </a:pPr>
             <a:r>
               <a:rPr lang="en-GB" sz="2800" dirty="0">
-                <a:latin typeface="Segoe UI Light" panose="020B0502040204020203" pitchFamily="34" charset="0"/>
+                <a:latin typeface="Gill Sans MT" panose="020B0502020104020203" pitchFamily="34" charset="0"/>
                 <a:cs typeface="Segoe UI Light" panose="020B0502040204020203" pitchFamily="34" charset="0"/>
               </a:rPr>
-              <a:t>When everyone giving talks or attending is using Windows or VS.</a:t>
-            </a:r>
-          </a:p>
-          <a:p>
-            <a:pPr marL="0" indent="0" fontAlgn="ctr">
-              <a:buNone/>
+              <a:t>2</a:t>
+            </a:r>
+            <a:r>
+              <a:rPr lang="en-GB" sz="2800" baseline="30000" dirty="0">
+                <a:latin typeface="Gill Sans MT" panose="020B0502020104020203" pitchFamily="34" charset="0"/>
+                <a:cs typeface="Segoe UI Light" panose="020B0502040204020203" pitchFamily="34" charset="0"/>
+              </a:rPr>
+              <a:t>nd</a:t>
+            </a:r>
+            <a:r>
+              <a:rPr lang="en-GB" sz="2800" dirty="0">
+                <a:latin typeface="Gill Sans MT" panose="020B0502020104020203" pitchFamily="34" charset="0"/>
+                <a:cs typeface="Segoe UI Light" panose="020B0502040204020203" pitchFamily="34" charset="0"/>
+              </a:rPr>
+              <a:t> maintainers and publishers</a:t>
+            </a:r>
+          </a:p>
+          <a:p>
+            <a:pPr fontAlgn="ctr">
+              <a:buFontTx/>
+              <a:buChar char="-"/>
             </a:pPr>
-            <a:endParaRPr lang="en-GB" sz="800" dirty="0">
-              <a:latin typeface="Segoe UI Light" panose="020B0502040204020203" pitchFamily="34" charset="0"/>
-              <a:cs typeface="Segoe UI Light" panose="020B0502040204020203" pitchFamily="34" charset="0"/>
-            </a:endParaRPr>
-          </a:p>
-          <a:p>
-            <a:pPr marL="0" indent="0" fontAlgn="ctr">
-              <a:buNone/>
+            <a:r>
+              <a:rPr lang="en-GB" sz="2800" dirty="0">
+                <a:latin typeface="Gill Sans MT" panose="020B0502020104020203" pitchFamily="34" charset="0"/>
+                <a:cs typeface="Segoe UI Light" panose="020B0502040204020203" pitchFamily="34" charset="0"/>
+              </a:rPr>
+              <a:t>Backup maintainers and key holders</a:t>
+            </a:r>
+          </a:p>
+          <a:p>
+            <a:pPr fontAlgn="ctr">
+              <a:buFontTx/>
+              <a:buChar char="-"/>
             </a:pPr>
             <a:r>
               <a:rPr lang="en-GB" sz="2800" dirty="0">
-                <a:latin typeface="Segoe UI Light" panose="020B0502040204020203" pitchFamily="34" charset="0"/>
+                <a:latin typeface="Gill Sans MT" panose="020B0502020104020203" pitchFamily="34" charset="0"/>
                 <a:cs typeface="Segoe UI Light" panose="020B0502040204020203" pitchFamily="34" charset="0"/>
               </a:rPr>
-              <a:t>When inspirational </a:t>
+              <a:t>Fully documented </a:t>
             </a:r>
             <a:r>
               <a:rPr lang="en-GB" sz="2800" dirty="0" err="1">
-                <a:latin typeface="Segoe UI Light" panose="020B0502040204020203" pitchFamily="34" charset="0"/>
+                <a:latin typeface="Gill Sans MT" panose="020B0502020104020203" pitchFamily="34" charset="0"/>
                 <a:cs typeface="Segoe UI Light" panose="020B0502040204020203" pitchFamily="34" charset="0"/>
               </a:rPr>
-              <a:t>upstack</a:t>
+              <a:t>build+publish</a:t>
             </a:r>
             <a:r>
               <a:rPr lang="en-GB" sz="2800" dirty="0">
-                <a:latin typeface="Segoe UI Light" panose="020B0502040204020203" pitchFamily="34" charset="0"/>
+                <a:latin typeface="Gill Sans MT" panose="020B0502020104020203" pitchFamily="34" charset="0"/>
                 <a:cs typeface="Segoe UI Light" panose="020B0502040204020203" pitchFamily="34" charset="0"/>
               </a:rPr>
-              <a:t> frameworks, languages and creative tooling are not encouraged, but extinguished. </a:t>
-            </a:r>
-          </a:p>
-          <a:p>
-            <a:pPr fontAlgn="ctr"/>
-            <a:endParaRPr lang="en-GB" sz="800" dirty="0">
-              <a:latin typeface="Segoe UI Light" panose="020B0502040204020203" pitchFamily="34" charset="0"/>
-              <a:cs typeface="Segoe UI Light" panose="020B0502040204020203" pitchFamily="34" charset="0"/>
-            </a:endParaRPr>
-          </a:p>
-          <a:p>
-            <a:pPr marL="0" indent="0" fontAlgn="ctr">
-              <a:buNone/>
-            </a:pPr>
-            <a:r>
-              <a:rPr lang="en-GB" sz="2800" dirty="0">
-                <a:latin typeface="Segoe UI Light" panose="020B0502040204020203" pitchFamily="34" charset="0"/>
-                <a:cs typeface="Segoe UI Light" panose="020B0502040204020203" pitchFamily="34" charset="0"/>
-              </a:rPr>
-              <a:t>When community are unkind, unwelcoming or negative.  Amplify positivity.</a:t>
+              <a:t> processes</a:t>
             </a:r>
           </a:p>
         </p:txBody>
@@ -15609,25 +15687,25 @@
     </p:spTree>
     <p:extLst>
       <p:ext uri="{BB962C8B-B14F-4D97-AF65-F5344CB8AC3E}">
-        <p14:creationId xmlns:p14="http://schemas.microsoft.com/office/powerpoint/2010/main" val="3849156008"/>
+        <p14:creationId xmlns:p14="http://schemas.microsoft.com/office/powerpoint/2010/main" val="3895330137"/>
       </p:ext>
     </p:extLst>
   </p:cSld>
   <p:clrMapOvr>
     <a:masterClrMapping/>
   </p:clrMapOvr>
-  <mc:AlternateContent xmlns:mc="http://schemas.openxmlformats.org/markup-compatibility/2006" xmlns:p14="http://schemas.microsoft.com/office/powerpoint/2010/main">
-    <mc:Choice Requires="p14">
+  <mc:AlternateContent xmlns:mc="http://schemas.openxmlformats.org/markup-compatibility/2006">
+    <mc:Choice xmlns:p14="http://schemas.microsoft.com/office/powerpoint/2010/main" Requires="p14">
       <p:transition p14:dur="0"/>
     </mc:Choice>
-    <mc:Fallback xmlns="">
+    <mc:Fallback>
       <p:transition/>
     </mc:Fallback>
   </mc:AlternateContent>
 </p:sld>
 </file>
 
-<file path=ppt/slides/slide36.xml><?xml version="1.0" encoding="utf-8"?>
+<file path=ppt/slides/slide37.xml><?xml version="1.0" encoding="utf-8"?>
 <p:sld xmlns:a="http://schemas.openxmlformats.org/drawingml/2006/main" xmlns:r="http://schemas.openxmlformats.org/officeDocument/2006/relationships" xmlns:p="http://schemas.openxmlformats.org/presentationml/2006/main">
   <p:cSld>
     <p:spTree>
@@ -15657,7 +15735,7 @@
         <p:spPr>
           <a:xfrm>
             <a:off x="455641" y="1765638"/>
-            <a:ext cx="11176000" cy="5609228"/>
+            <a:ext cx="11176000" cy="4501232"/>
           </a:xfrm>
         </p:spPr>
         <p:txBody>
@@ -15695,7 +15773,7 @@
               <a:rPr lang="en-GB" sz="4000" dirty="0">
                 <a:latin typeface="Segoe UI Light" panose="020B0502040204020203" pitchFamily="34" charset="0"/>
               </a:rPr>
-              <a:t>Social Independence + </a:t>
+              <a:t>The right kinds of independence + </a:t>
             </a:r>
             <a:br>
               <a:rPr lang="en-GB" sz="4000" dirty="0">
@@ -15706,29 +15784,7 @@
               <a:rPr lang="en-GB" sz="4000" dirty="0">
                 <a:latin typeface="Segoe UI Light" panose="020B0502040204020203" pitchFamily="34" charset="0"/>
               </a:rPr>
-              <a:t>Memetic Independence +</a:t>
-            </a:r>
-            <a:br>
-              <a:rPr lang="en-GB" sz="4000" dirty="0">
-                <a:latin typeface="Segoe UI Light" panose="020B0502040204020203" pitchFamily="34" charset="0"/>
-              </a:rPr>
-            </a:br>
-            <a:r>
-              <a:rPr lang="en-GB" sz="4000" dirty="0">
-                <a:latin typeface="Segoe UI Light" panose="020B0502040204020203" pitchFamily="34" charset="0"/>
-              </a:rPr>
-              <a:t>“Enough” Cognitive Independence + </a:t>
-            </a:r>
-            <a:br>
-              <a:rPr lang="en-GB" sz="4000" dirty="0">
-                <a:latin typeface="Segoe UI Light" panose="020B0502040204020203" pitchFamily="34" charset="0"/>
-              </a:rPr>
-            </a:br>
-            <a:r>
-              <a:rPr lang="en-GB" sz="4000" dirty="0">
-                <a:latin typeface="Segoe UI Light" panose="020B0502040204020203" pitchFamily="34" charset="0"/>
-              </a:rPr>
-              <a:t>Enterprise-Ready Contribution</a:t>
+              <a:t>Quality engineering </a:t>
             </a:r>
             <a:br>
               <a:rPr lang="en-GB" sz="4000" dirty="0">
@@ -16118,7 +16174,72 @@
 </p:sld>
 </file>
 
-<file path=ppt/slides/slide37.xml><?xml version="1.0" encoding="utf-8"?>
+<file path=ppt/slides/slide38.xml><?xml version="1.0" encoding="utf-8"?>
+<p:sld xmlns:a="http://schemas.openxmlformats.org/drawingml/2006/main" xmlns:r="http://schemas.openxmlformats.org/officeDocument/2006/relationships" xmlns:p="http://schemas.openxmlformats.org/presentationml/2006/main" showMasterSp="0">
+  <p:cSld>
+    <p:spTree>
+      <p:nvGrpSpPr>
+        <p:cNvPr id="1" name=""/>
+        <p:cNvGrpSpPr/>
+        <p:nvPr/>
+      </p:nvGrpSpPr>
+      <p:grpSpPr>
+        <a:xfrm>
+          <a:off x="0" y="0"/>
+          <a:ext cx="0" cy="0"/>
+          <a:chOff x="0" y="0"/>
+          <a:chExt cx="0" cy="0"/>
+        </a:xfrm>
+      </p:grpSpPr>
+      <p:sp>
+        <p:nvSpPr>
+          <p:cNvPr id="2" name="Rectangle 1">
+            <a:extLst>
+              <a:ext uri="{FF2B5EF4-FFF2-40B4-BE49-F238E27FC236}">
+                <a16:creationId xmlns:a16="http://schemas.microsoft.com/office/drawing/2014/main" id="{6DC7576F-FB04-4392-AC0B-17C6B3C02A8B}"/>
+              </a:ext>
+            </a:extLst>
+          </p:cNvPr>
+          <p:cNvSpPr/>
+          <p:nvPr/>
+        </p:nvSpPr>
+        <p:spPr>
+          <a:xfrm>
+            <a:off x="1835727" y="2782669"/>
+            <a:ext cx="8520545" cy="1015663"/>
+          </a:xfrm>
+          <a:prstGeom prst="rect">
+            <a:avLst/>
+          </a:prstGeom>
+        </p:spPr>
+        <p:txBody>
+          <a:bodyPr wrap="square">
+            <a:spAutoFit/>
+          </a:bodyPr>
+          <a:lstStyle/>
+          <a:p>
+            <a:pPr marL="0" lvl="1" algn="ctr"/>
+            <a:r>
+              <a:rPr lang="en-GB" sz="6000" dirty="0"/>
+              <a:t>Thanks!</a:t>
+            </a:r>
+          </a:p>
+        </p:txBody>
+      </p:sp>
+    </p:spTree>
+    <p:extLst>
+      <p:ext uri="{BB962C8B-B14F-4D97-AF65-F5344CB8AC3E}">
+        <p14:creationId xmlns:p14="http://schemas.microsoft.com/office/powerpoint/2010/main" val="1966593104"/>
+      </p:ext>
+    </p:extLst>
+  </p:cSld>
+  <p:clrMapOvr>
+    <a:masterClrMapping/>
+  </p:clrMapOvr>
+</p:sld>
+</file>
+
+<file path=ppt/slides/slide39.xml><?xml version="1.0" encoding="utf-8"?>
 <p:sld xmlns:a="http://schemas.openxmlformats.org/drawingml/2006/main" xmlns:r="http://schemas.openxmlformats.org/officeDocument/2006/relationships" xmlns:p="http://schemas.openxmlformats.org/presentationml/2006/main">
   <p:cSld>
     <p:spTree>
@@ -16222,661 +16343,6 @@
     <p:extLst>
       <p:ext uri="{BB962C8B-B14F-4D97-AF65-F5344CB8AC3E}">
         <p14:creationId xmlns:p14="http://schemas.microsoft.com/office/powerpoint/2010/main" val="3254638197"/>
-      </p:ext>
-    </p:extLst>
-  </p:cSld>
-  <p:clrMapOvr>
-    <a:masterClrMapping/>
-  </p:clrMapOvr>
-  <mc:AlternateContent xmlns:mc="http://schemas.openxmlformats.org/markup-compatibility/2006" xmlns:p14="http://schemas.microsoft.com/office/powerpoint/2010/main">
-    <mc:Choice Requires="p14">
-      <p:transition p14:dur="0"/>
-    </mc:Choice>
-    <mc:Fallback xmlns="">
-      <p:transition/>
-    </mc:Fallback>
-  </mc:AlternateContent>
-</p:sld>
-</file>
-
-<file path=ppt/slides/slide38.xml><?xml version="1.0" encoding="utf-8"?>
-<p:sld xmlns:a="http://schemas.openxmlformats.org/drawingml/2006/main" xmlns:r="http://schemas.openxmlformats.org/officeDocument/2006/relationships" xmlns:p="http://schemas.openxmlformats.org/presentationml/2006/main" showMasterSp="0">
-  <p:cSld>
-    <p:spTree>
-      <p:nvGrpSpPr>
-        <p:cNvPr id="1" name=""/>
-        <p:cNvGrpSpPr/>
-        <p:nvPr/>
-      </p:nvGrpSpPr>
-      <p:grpSpPr>
-        <a:xfrm>
-          <a:off x="0" y="0"/>
-          <a:ext cx="0" cy="0"/>
-          <a:chOff x="0" y="0"/>
-          <a:chExt cx="0" cy="0"/>
-        </a:xfrm>
-      </p:grpSpPr>
-      <p:sp>
-        <p:nvSpPr>
-          <p:cNvPr id="2" name="Title 1"/>
-          <p:cNvSpPr>
-            <a:spLocks noGrp="1"/>
-          </p:cNvSpPr>
-          <p:nvPr>
-            <p:ph type="title"/>
-          </p:nvPr>
-        </p:nvSpPr>
-        <p:spPr>
-          <a:xfrm>
-            <a:off x="469088" y="1059158"/>
-            <a:ext cx="11176000" cy="4431983"/>
-          </a:xfrm>
-        </p:spPr>
-        <p:txBody>
-          <a:bodyPr/>
-          <a:lstStyle/>
-          <a:p>
-            <a:pPr algn="l"/>
-            <a:r>
-              <a:rPr lang="en-GB" sz="4800" dirty="0">
-                <a:latin typeface="Segoe UI Light" panose="020B0502040204020203" pitchFamily="34" charset="0"/>
-              </a:rPr>
-              <a:t>F# 4.0</a:t>
-            </a:r>
-            <a:br>
-              <a:rPr lang="en-GB" sz="4800" dirty="0">
-                <a:latin typeface="Segoe UI Light" panose="020B0502040204020203" pitchFamily="34" charset="0"/>
-              </a:rPr>
-            </a:br>
-            <a:br>
-              <a:rPr lang="en-GB" sz="4800" dirty="0">
-                <a:latin typeface="Segoe UI Light" panose="020B0502040204020203" pitchFamily="34" charset="0"/>
-              </a:rPr>
-            </a:br>
-            <a:r>
-              <a:rPr lang="en-GB" sz="3200" dirty="0">
-                <a:solidFill>
-                  <a:srgbClr val="59D01E"/>
-                </a:solidFill>
-                <a:latin typeface="Segoe UI Light" panose="020B0502040204020203" pitchFamily="34" charset="0"/>
-              </a:rPr>
-              <a:t>✔ </a:t>
-            </a:r>
-            <a:r>
-              <a:rPr lang="en-GB" sz="3200" dirty="0">
-                <a:latin typeface="Segoe UI Light" panose="020B0502040204020203" pitchFamily="34" charset="0"/>
-              </a:rPr>
-              <a:t>True shift to cross-platform open engineering</a:t>
-            </a:r>
-            <a:br>
-              <a:rPr lang="en-GB" sz="3200" dirty="0">
-                <a:latin typeface="Segoe UI Light" panose="020B0502040204020203" pitchFamily="34" charset="0"/>
-              </a:rPr>
-            </a:br>
-            <a:r>
-              <a:rPr lang="en-GB" sz="3200" dirty="0">
-                <a:solidFill>
-                  <a:srgbClr val="59D01E"/>
-                </a:solidFill>
-                <a:latin typeface="Segoe UI Light" panose="020B0502040204020203" pitchFamily="34" charset="0"/>
-              </a:rPr>
-              <a:t>✔ </a:t>
-            </a:r>
-            <a:r>
-              <a:rPr lang="en-GB" sz="3200" dirty="0">
-                <a:latin typeface="Segoe UI Light" panose="020B0502040204020203" pitchFamily="34" charset="0"/>
-              </a:rPr>
-              <a:t>Long laundry list of language items</a:t>
-            </a:r>
-            <a:br>
-              <a:rPr lang="en-GB" sz="3200" dirty="0">
-                <a:latin typeface="Segoe UI Light" panose="020B0502040204020203" pitchFamily="34" charset="0"/>
-              </a:rPr>
-            </a:br>
-            <a:r>
-              <a:rPr lang="en-GB" sz="3200" dirty="0">
-                <a:solidFill>
-                  <a:srgbClr val="59D01E"/>
-                </a:solidFill>
-                <a:latin typeface="Segoe UI Light" panose="020B0502040204020203" pitchFamily="34" charset="0"/>
-              </a:rPr>
-              <a:t>✔ </a:t>
-            </a:r>
-            <a:r>
-              <a:rPr lang="en-GB" sz="3200" dirty="0">
-                <a:latin typeface="Segoe UI Light" panose="020B0502040204020203" pitchFamily="34" charset="0"/>
-              </a:rPr>
-              <a:t>Normalized core library</a:t>
-            </a:r>
-            <a:br>
-              <a:rPr lang="en-GB" sz="3200" dirty="0">
-                <a:latin typeface="Segoe UI Light" panose="020B0502040204020203" pitchFamily="34" charset="0"/>
-              </a:rPr>
-            </a:br>
-            <a:r>
-              <a:rPr lang="en-GB" sz="3200" dirty="0">
-                <a:solidFill>
-                  <a:srgbClr val="59D01E"/>
-                </a:solidFill>
-                <a:latin typeface="Segoe UI Light" panose="020B0502040204020203" pitchFamily="34" charset="0"/>
-              </a:rPr>
-              <a:t>✔ </a:t>
-            </a:r>
-            <a:r>
-              <a:rPr lang="en-GB" sz="3200" dirty="0">
-                <a:latin typeface="Segoe UI Light" panose="020B0502040204020203" pitchFamily="34" charset="0"/>
-              </a:rPr>
-              <a:t>Type providers more powerful</a:t>
-            </a:r>
-            <a:br>
-              <a:rPr lang="en-GB" sz="3200" dirty="0">
-                <a:latin typeface="Segoe UI Light" panose="020B0502040204020203" pitchFamily="34" charset="0"/>
-              </a:rPr>
-            </a:br>
-            <a:br>
-              <a:rPr lang="en-GB" sz="4000" dirty="0">
-                <a:latin typeface="Segoe UI Light" panose="020B0502040204020203" pitchFamily="34" charset="0"/>
-              </a:rPr>
-            </a:br>
-            <a:r>
-              <a:rPr lang="en-GB" sz="2800" dirty="0">
-                <a:solidFill>
-                  <a:srgbClr val="59D01E"/>
-                </a:solidFill>
-                <a:latin typeface="Segoe UI Light" panose="020B0502040204020203" pitchFamily="34" charset="0"/>
-              </a:rPr>
-              <a:t>✔ </a:t>
-            </a:r>
-            <a:r>
-              <a:rPr lang="en-GB" sz="2800" dirty="0">
-                <a:latin typeface="Segoe UI Light" panose="020B0502040204020203" pitchFamily="34" charset="0"/>
-              </a:rPr>
-              <a:t>Better debugging, tooling, performance</a:t>
-            </a:r>
-            <a:br>
-              <a:rPr lang="en-GB" sz="2800" dirty="0">
-                <a:latin typeface="Segoe UI Light" panose="020B0502040204020203" pitchFamily="34" charset="0"/>
-              </a:rPr>
-            </a:br>
-            <a:r>
-              <a:rPr lang="en-GB" sz="2800" dirty="0">
-                <a:solidFill>
-                  <a:srgbClr val="59D01E"/>
-                </a:solidFill>
-                <a:latin typeface="Segoe UI Light" panose="020B0502040204020203" pitchFamily="34" charset="0"/>
-              </a:rPr>
-              <a:t>✔ </a:t>
-            </a:r>
-            <a:r>
-              <a:rPr lang="en-GB" sz="2800" dirty="0">
-                <a:gradFill flip="none" rotWithShape="1">
-                  <a:gsLst>
-                    <a:gs pos="0">
-                      <a:prstClr val="black"/>
-                    </a:gs>
-                    <a:gs pos="86000">
-                      <a:prstClr val="black"/>
-                    </a:gs>
-                  </a:gsLst>
-                  <a:lin ang="5400000" scaled="0"/>
-                  <a:tileRect/>
-                </a:gradFill>
-                <a:latin typeface="Segoe UI Light" panose="020B0502040204020203" pitchFamily="34" charset="0"/>
-              </a:rPr>
-              <a:t>~20% compiler perf improvement</a:t>
-            </a:r>
-            <a:endParaRPr lang="en-GB" sz="4800" dirty="0">
-              <a:latin typeface="Segoe UI Light" panose="020B0502040204020203" pitchFamily="34" charset="0"/>
-            </a:endParaRPr>
-          </a:p>
-        </p:txBody>
-      </p:sp>
-      <p:sp>
-        <p:nvSpPr>
-          <p:cNvPr id="3" name="Rectangle 2">
-            <a:extLst>
-              <a:ext uri="{FF2B5EF4-FFF2-40B4-BE49-F238E27FC236}">
-                <a16:creationId xmlns:a16="http://schemas.microsoft.com/office/drawing/2014/main" id="{5377655A-33BF-4555-BF8E-CB8D70F89BDF}"/>
-              </a:ext>
-            </a:extLst>
-          </p:cNvPr>
-          <p:cNvSpPr/>
-          <p:nvPr/>
-        </p:nvSpPr>
-        <p:spPr>
-          <a:xfrm>
-            <a:off x="1706760" y="6139980"/>
-            <a:ext cx="8700655" cy="369332"/>
-          </a:xfrm>
-          <a:prstGeom prst="rect">
-            <a:avLst/>
-          </a:prstGeom>
-        </p:spPr>
-        <p:txBody>
-          <a:bodyPr wrap="square">
-            <a:spAutoFit/>
-          </a:bodyPr>
-          <a:lstStyle/>
-          <a:p>
-            <a:pPr marL="0" marR="0" lvl="0" indent="0" algn="l" defTabSz="933007" rtl="0" eaLnBrk="1" fontAlgn="auto" latinLnBrk="0" hangingPunct="1">
-              <a:lnSpc>
-                <a:spcPct val="100000"/>
-              </a:lnSpc>
-              <a:spcBef>
-                <a:spcPts val="0"/>
-              </a:spcBef>
-              <a:spcAft>
-                <a:spcPts val="0"/>
-              </a:spcAft>
-              <a:buClrTx/>
-              <a:buSzTx/>
-              <a:buFontTx/>
-              <a:buNone/>
-              <a:tabLst/>
-              <a:defRPr/>
-            </a:pPr>
-            <a:r>
-              <a:rPr kumimoji="0" lang="en-GB" sz="1800" b="0" i="0" u="none" strike="noStrike" kern="1200" cap="none" spc="0" normalizeH="0" baseline="0" noProof="0" dirty="0">
-                <a:ln>
-                  <a:noFill/>
-                </a:ln>
-                <a:solidFill>
-                  <a:prstClr val="black"/>
-                </a:solidFill>
-                <a:effectLst/>
-                <a:uLnTx/>
-                <a:uFillTx/>
-                <a:latin typeface="Segoe UI"/>
-                <a:ea typeface="+mn-ea"/>
-                <a:cs typeface="+mn-cs"/>
-                <a:hlinkClick r:id="rId2"/>
-              </a:rPr>
-              <a:t>https://github.com/fsharp/fslang-design/tree/master/FSharp-4.0</a:t>
-            </a:r>
-            <a:r>
-              <a:rPr kumimoji="0" lang="en-GB" sz="1800" b="0" i="0" u="none" strike="noStrike" kern="1200" cap="none" spc="0" normalizeH="0" baseline="0" noProof="0" dirty="0">
-                <a:ln>
-                  <a:noFill/>
-                </a:ln>
-                <a:solidFill>
-                  <a:prstClr val="black"/>
-                </a:solidFill>
-                <a:effectLst/>
-                <a:uLnTx/>
-                <a:uFillTx/>
-                <a:latin typeface="Segoe UI"/>
-                <a:ea typeface="+mn-ea"/>
-                <a:cs typeface="+mn-cs"/>
-              </a:rPr>
-              <a:t> </a:t>
-            </a:r>
-          </a:p>
-        </p:txBody>
-      </p:sp>
-    </p:spTree>
-    <p:extLst>
-      <p:ext uri="{BB962C8B-B14F-4D97-AF65-F5344CB8AC3E}">
-        <p14:creationId xmlns:p14="http://schemas.microsoft.com/office/powerpoint/2010/main" val="3737051760"/>
-      </p:ext>
-    </p:extLst>
-  </p:cSld>
-  <p:clrMapOvr>
-    <a:masterClrMapping/>
-  </p:clrMapOvr>
-  <mc:AlternateContent xmlns:mc="http://schemas.openxmlformats.org/markup-compatibility/2006" xmlns:p14="http://schemas.microsoft.com/office/powerpoint/2010/main">
-    <mc:Choice Requires="p14">
-      <p:transition p14:dur="0"/>
-    </mc:Choice>
-    <mc:Fallback xmlns="">
-      <p:transition/>
-    </mc:Fallback>
-  </mc:AlternateContent>
-</p:sld>
-</file>
-
-<file path=ppt/slides/slide39.xml><?xml version="1.0" encoding="utf-8"?>
-<p:sld xmlns:a="http://schemas.openxmlformats.org/drawingml/2006/main" xmlns:r="http://schemas.openxmlformats.org/officeDocument/2006/relationships" xmlns:p="http://schemas.openxmlformats.org/presentationml/2006/main" showMasterSp="0">
-  <p:cSld>
-    <p:spTree>
-      <p:nvGrpSpPr>
-        <p:cNvPr id="1" name=""/>
-        <p:cNvGrpSpPr/>
-        <p:nvPr/>
-      </p:nvGrpSpPr>
-      <p:grpSpPr>
-        <a:xfrm>
-          <a:off x="0" y="0"/>
-          <a:ext cx="0" cy="0"/>
-          <a:chOff x="0" y="0"/>
-          <a:chExt cx="0" cy="0"/>
-        </a:xfrm>
-      </p:grpSpPr>
-      <p:sp>
-        <p:nvSpPr>
-          <p:cNvPr id="2" name="Title 1"/>
-          <p:cNvSpPr>
-            <a:spLocks noGrp="1"/>
-          </p:cNvSpPr>
-          <p:nvPr>
-            <p:ph type="title"/>
-          </p:nvPr>
-        </p:nvSpPr>
-        <p:spPr>
-          <a:xfrm>
-            <a:off x="469088" y="1059158"/>
-            <a:ext cx="11176000" cy="5152180"/>
-          </a:xfrm>
-        </p:spPr>
-        <p:txBody>
-          <a:bodyPr/>
-          <a:lstStyle/>
-          <a:p>
-            <a:pPr algn="l"/>
-            <a:r>
-              <a:rPr lang="en-GB" sz="4800" dirty="0">
-                <a:latin typeface="Segoe UI Light" panose="020B0502040204020203" pitchFamily="34" charset="0"/>
-              </a:rPr>
-              <a:t>F# 4.1</a:t>
-            </a:r>
-            <a:br>
-              <a:rPr lang="en-GB" sz="4800" dirty="0">
-                <a:latin typeface="Segoe UI Light" panose="020B0502040204020203" pitchFamily="34" charset="0"/>
-              </a:rPr>
-            </a:br>
-            <a:br>
-              <a:rPr lang="en-GB" sz="4800" dirty="0">
-                <a:latin typeface="Segoe UI Light" panose="020B0502040204020203" pitchFamily="34" charset="0"/>
-              </a:rPr>
-            </a:br>
-            <a:r>
-              <a:rPr lang="en-GB" sz="3200" dirty="0">
-                <a:solidFill>
-                  <a:srgbClr val="59D01E"/>
-                </a:solidFill>
-                <a:latin typeface="Segoe UI Light" panose="020B0502040204020203" pitchFamily="34" charset="0"/>
-              </a:rPr>
-              <a:t>✔ </a:t>
-            </a:r>
-            <a:r>
-              <a:rPr lang="en-GB" sz="3200" dirty="0">
-                <a:latin typeface="Segoe UI Light" panose="020B0502040204020203" pitchFamily="34" charset="0"/>
-              </a:rPr>
-              <a:t>Optional large scope cycles more on this later)</a:t>
-            </a:r>
-            <a:br>
-              <a:rPr lang="en-GB" sz="3200" dirty="0">
-                <a:latin typeface="Segoe UI Light" panose="020B0502040204020203" pitchFamily="34" charset="0"/>
-              </a:rPr>
-            </a:br>
-            <a:r>
-              <a:rPr lang="en-GB" sz="3200" dirty="0">
-                <a:solidFill>
-                  <a:srgbClr val="59D01E"/>
-                </a:solidFill>
-                <a:latin typeface="Segoe UI Light" panose="020B0502040204020203" pitchFamily="34" charset="0"/>
-              </a:rPr>
-              <a:t>✔ </a:t>
-            </a:r>
-            <a:r>
-              <a:rPr lang="en-GB" sz="3200" dirty="0">
-                <a:latin typeface="Segoe UI Light" panose="020B0502040204020203" pitchFamily="34" charset="0"/>
-              </a:rPr>
-              <a:t>Result&lt;</a:t>
-            </a:r>
-            <a:r>
-              <a:rPr lang="en-GB" sz="3200" dirty="0" err="1">
-                <a:latin typeface="Segoe UI Light" panose="020B0502040204020203" pitchFamily="34" charset="0"/>
-              </a:rPr>
-              <a:t>T,Error</a:t>
-            </a:r>
-            <a:r>
-              <a:rPr lang="en-GB" sz="3200" dirty="0">
-                <a:latin typeface="Segoe UI Light" panose="020B0502040204020203" pitchFamily="34" charset="0"/>
-              </a:rPr>
-              <a:t>&gt; in standard library</a:t>
-            </a:r>
-            <a:br>
-              <a:rPr lang="en-GB" sz="3200" dirty="0">
-                <a:latin typeface="Segoe UI Light" panose="020B0502040204020203" pitchFamily="34" charset="0"/>
-              </a:rPr>
-            </a:br>
-            <a:r>
-              <a:rPr lang="en-GB" sz="3200" dirty="0">
-                <a:solidFill>
-                  <a:srgbClr val="59D01E"/>
-                </a:solidFill>
-                <a:latin typeface="Segoe UI Light" panose="020B0502040204020203" pitchFamily="34" charset="0"/>
-              </a:rPr>
-              <a:t>✔ </a:t>
-            </a:r>
-            <a:r>
-              <a:rPr lang="en-GB" sz="3200" dirty="0">
-                <a:gradFill flip="none" rotWithShape="1">
-                  <a:gsLst>
-                    <a:gs pos="0">
-                      <a:prstClr val="black"/>
-                    </a:gs>
-                    <a:gs pos="86000">
-                      <a:prstClr val="black"/>
-                    </a:gs>
-                  </a:gsLst>
-                  <a:lin ang="5400000" scaled="0"/>
-                  <a:tileRect/>
-                </a:gradFill>
-                <a:latin typeface="Segoe UI Light" panose="020B0502040204020203" pitchFamily="34" charset="0"/>
-              </a:rPr>
-              <a:t>Unboxed (struct) tuples</a:t>
-            </a:r>
-            <a:br>
-              <a:rPr lang="en-GB" sz="3200" dirty="0">
-                <a:gradFill flip="none" rotWithShape="1">
-                  <a:gsLst>
-                    <a:gs pos="0">
-                      <a:prstClr val="black"/>
-                    </a:gs>
-                    <a:gs pos="86000">
-                      <a:prstClr val="black"/>
-                    </a:gs>
-                  </a:gsLst>
-                  <a:lin ang="5400000" scaled="0"/>
-                  <a:tileRect/>
-                </a:gradFill>
-                <a:latin typeface="Segoe UI Light" panose="020B0502040204020203" pitchFamily="34" charset="0"/>
-              </a:rPr>
-            </a:br>
-            <a:r>
-              <a:rPr lang="en-GB" sz="3200" dirty="0">
-                <a:solidFill>
-                  <a:srgbClr val="59D01E"/>
-                </a:solidFill>
-                <a:latin typeface="Segoe UI Light" panose="020B0502040204020203" pitchFamily="34" charset="0"/>
-              </a:rPr>
-              <a:t>✔ </a:t>
-            </a:r>
-            <a:r>
-              <a:rPr lang="en-GB" sz="3200" dirty="0">
-                <a:gradFill flip="none" rotWithShape="1">
-                  <a:gsLst>
-                    <a:gs pos="0">
-                      <a:prstClr val="black"/>
-                    </a:gs>
-                    <a:gs pos="86000">
-                      <a:prstClr val="black"/>
-                    </a:gs>
-                  </a:gsLst>
-                  <a:lin ang="5400000" scaled="0"/>
-                  <a:tileRect/>
-                </a:gradFill>
-                <a:latin typeface="Segoe UI Light" panose="020B0502040204020203" pitchFamily="34" charset="0"/>
-              </a:rPr>
-              <a:t>Unboxed (struct) records</a:t>
-            </a:r>
-            <a:br>
-              <a:rPr lang="en-GB" sz="4000" dirty="0">
-                <a:latin typeface="Segoe UI Light" panose="020B0502040204020203" pitchFamily="34" charset="0"/>
-              </a:rPr>
-            </a:br>
-            <a:r>
-              <a:rPr lang="en-GB" sz="3200" dirty="0">
-                <a:solidFill>
-                  <a:srgbClr val="59D01E"/>
-                </a:solidFill>
-                <a:latin typeface="Segoe UI Light" panose="020B0502040204020203" pitchFamily="34" charset="0"/>
-              </a:rPr>
-              <a:t>✔ </a:t>
-            </a:r>
-            <a:r>
-              <a:rPr lang="en-GB" sz="3200" dirty="0">
-                <a:gradFill flip="none" rotWithShape="1">
-                  <a:gsLst>
-                    <a:gs pos="0">
-                      <a:prstClr val="black"/>
-                    </a:gs>
-                    <a:gs pos="86000">
-                      <a:prstClr val="black"/>
-                    </a:gs>
-                  </a:gsLst>
-                  <a:lin ang="5400000" scaled="0"/>
-                  <a:tileRect/>
-                </a:gradFill>
-                <a:latin typeface="Segoe UI Light" panose="020B0502040204020203" pitchFamily="34" charset="0"/>
-              </a:rPr>
-              <a:t>Unboxed (struct) unions</a:t>
-            </a:r>
-            <a:br>
-              <a:rPr lang="en-GB" sz="4000" dirty="0">
-                <a:gradFill flip="none" rotWithShape="1">
-                  <a:gsLst>
-                    <a:gs pos="0">
-                      <a:prstClr val="black"/>
-                    </a:gs>
-                    <a:gs pos="86000">
-                      <a:prstClr val="black"/>
-                    </a:gs>
-                  </a:gsLst>
-                  <a:lin ang="5400000" scaled="0"/>
-                  <a:tileRect/>
-                </a:gradFill>
-                <a:latin typeface="Segoe UI Light" panose="020B0502040204020203" pitchFamily="34" charset="0"/>
-              </a:rPr>
-            </a:br>
-            <a:br>
-              <a:rPr lang="en-GB" sz="4000" dirty="0">
-                <a:latin typeface="Segoe UI Light" panose="020B0502040204020203" pitchFamily="34" charset="0"/>
-              </a:rPr>
-            </a:br>
-            <a:r>
-              <a:rPr lang="en-GB" sz="2800" dirty="0">
-                <a:solidFill>
-                  <a:srgbClr val="59D01E"/>
-                </a:solidFill>
-                <a:latin typeface="Segoe UI Light" panose="020B0502040204020203" pitchFamily="34" charset="0"/>
-              </a:rPr>
-              <a:t>✔ </a:t>
-            </a:r>
-            <a:r>
-              <a:rPr lang="en-GB" sz="2800" dirty="0">
-                <a:latin typeface="Segoe UI Light" panose="020B0502040204020203" pitchFamily="34" charset="0"/>
-              </a:rPr>
-              <a:t>More bits and pieces</a:t>
-            </a:r>
-            <a:br>
-              <a:rPr lang="en-GB" sz="2800" dirty="0">
-                <a:latin typeface="Segoe UI Light" panose="020B0502040204020203" pitchFamily="34" charset="0"/>
-              </a:rPr>
-            </a:br>
-            <a:endParaRPr lang="en-GB" sz="4800" dirty="0">
-              <a:latin typeface="Segoe UI Light" panose="020B0502040204020203" pitchFamily="34" charset="0"/>
-            </a:endParaRPr>
-          </a:p>
-        </p:txBody>
-      </p:sp>
-      <p:sp>
-        <p:nvSpPr>
-          <p:cNvPr id="3" name="Rectangle 2">
-            <a:extLst>
-              <a:ext uri="{FF2B5EF4-FFF2-40B4-BE49-F238E27FC236}">
-                <a16:creationId xmlns:a16="http://schemas.microsoft.com/office/drawing/2014/main" id="{2596C14F-8864-4517-B823-2B96176C547D}"/>
-              </a:ext>
-            </a:extLst>
-          </p:cNvPr>
-          <p:cNvSpPr/>
-          <p:nvPr/>
-        </p:nvSpPr>
-        <p:spPr>
-          <a:xfrm>
-            <a:off x="1357744" y="5738198"/>
-            <a:ext cx="8700655" cy="369332"/>
-          </a:xfrm>
-          <a:prstGeom prst="rect">
-            <a:avLst/>
-          </a:prstGeom>
-        </p:spPr>
-        <p:txBody>
-          <a:bodyPr wrap="square">
-            <a:spAutoFit/>
-          </a:bodyPr>
-          <a:lstStyle/>
-          <a:p>
-            <a:pPr marL="0" marR="0" lvl="0" indent="0" algn="l" defTabSz="933007" rtl="0" eaLnBrk="1" fontAlgn="auto" latinLnBrk="0" hangingPunct="1">
-              <a:lnSpc>
-                <a:spcPct val="100000"/>
-              </a:lnSpc>
-              <a:spcBef>
-                <a:spcPts val="0"/>
-              </a:spcBef>
-              <a:spcAft>
-                <a:spcPts val="0"/>
-              </a:spcAft>
-              <a:buClrTx/>
-              <a:buSzTx/>
-              <a:buFontTx/>
-              <a:buNone/>
-              <a:tabLst/>
-              <a:defRPr/>
-            </a:pPr>
-            <a:r>
-              <a:rPr kumimoji="0" lang="en-GB" sz="1800" b="0" i="0" u="none" strike="noStrike" kern="1200" cap="none" spc="0" normalizeH="0" baseline="0" noProof="0" dirty="0">
-                <a:ln>
-                  <a:noFill/>
-                </a:ln>
-                <a:solidFill>
-                  <a:prstClr val="black"/>
-                </a:solidFill>
-                <a:effectLst/>
-                <a:uLnTx/>
-                <a:uFillTx/>
-                <a:latin typeface="Segoe UI"/>
-                <a:ea typeface="+mn-ea"/>
-                <a:cs typeface="+mn-cs"/>
-                <a:hlinkClick r:id="rId2"/>
-              </a:rPr>
-              <a:t>https://github.com/fsharp/fslang-design/tree/master/FSharp-4.1</a:t>
-            </a:r>
-            <a:r>
-              <a:rPr kumimoji="0" lang="en-GB" sz="1800" b="0" i="0" u="none" strike="noStrike" kern="1200" cap="none" spc="0" normalizeH="0" baseline="0" noProof="0" dirty="0">
-                <a:ln>
-                  <a:noFill/>
-                </a:ln>
-                <a:solidFill>
-                  <a:prstClr val="black"/>
-                </a:solidFill>
-                <a:effectLst/>
-                <a:uLnTx/>
-                <a:uFillTx/>
-                <a:latin typeface="Segoe UI"/>
-                <a:ea typeface="+mn-ea"/>
-                <a:cs typeface="+mn-cs"/>
-              </a:rPr>
-              <a:t> </a:t>
-            </a:r>
-          </a:p>
-        </p:txBody>
-      </p:sp>
-    </p:spTree>
-    <p:extLst>
-      <p:ext uri="{BB962C8B-B14F-4D97-AF65-F5344CB8AC3E}">
-        <p14:creationId xmlns:p14="http://schemas.microsoft.com/office/powerpoint/2010/main" val="3319216988"/>
       </p:ext>
     </p:extLst>
   </p:cSld>
@@ -17119,7 +16585,7 @@
         <p:spPr>
           <a:xfrm>
             <a:off x="469088" y="1059158"/>
-            <a:ext cx="11176000" cy="3822585"/>
+            <a:ext cx="11176000" cy="4431983"/>
           </a:xfrm>
         </p:spPr>
         <p:txBody>
@@ -17131,7 +16597,7 @@
               <a:rPr lang="en-GB" sz="4800" dirty="0">
                 <a:latin typeface="Segoe UI Light" panose="020B0502040204020203" pitchFamily="34" charset="0"/>
               </a:rPr>
-              <a:t>F# 4.5</a:t>
+              <a:t>F# 4.0</a:t>
             </a:r>
             <a:br>
               <a:rPr lang="en-GB" sz="4800" dirty="0">
@@ -17156,7 +16622,7 @@
               <a:rPr lang="en-GB" sz="3200" dirty="0">
                 <a:latin typeface="Segoe UI Light" panose="020B0502040204020203" pitchFamily="34" charset="0"/>
               </a:rPr>
-              <a:t>Span&lt;T&gt; high perf type-safe non-allocating code</a:t>
+              <a:t>True shift to cross-platform open engineering</a:t>
             </a:r>
             <a:br>
               <a:rPr lang="en-GB" sz="3200" dirty="0">
@@ -17174,6 +16640,91 @@
             </a:r>
             <a:r>
               <a:rPr lang="en-GB" sz="3200" dirty="0">
+                <a:latin typeface="Segoe UI Light" panose="020B0502040204020203" pitchFamily="34" charset="0"/>
+              </a:rPr>
+              <a:t>Long laundry list of language items</a:t>
+            </a:r>
+            <a:br>
+              <a:rPr lang="en-GB" sz="3200" dirty="0">
+                <a:latin typeface="Segoe UI Light" panose="020B0502040204020203" pitchFamily="34" charset="0"/>
+              </a:rPr>
+            </a:br>
+            <a:r>
+              <a:rPr lang="en-GB" sz="3200" dirty="0">
+                <a:solidFill>
+                  <a:srgbClr val="59D01E"/>
+                </a:solidFill>
+                <a:latin typeface="Segoe UI Light" panose="020B0502040204020203" pitchFamily="34" charset="0"/>
+              </a:rPr>
+              <a:t>✔ </a:t>
+            </a:r>
+            <a:r>
+              <a:rPr lang="en-GB" sz="3200" dirty="0">
+                <a:latin typeface="Segoe UI Light" panose="020B0502040204020203" pitchFamily="34" charset="0"/>
+              </a:rPr>
+              <a:t>Normalized core library</a:t>
+            </a:r>
+            <a:br>
+              <a:rPr lang="en-GB" sz="3200" dirty="0">
+                <a:latin typeface="Segoe UI Light" panose="020B0502040204020203" pitchFamily="34" charset="0"/>
+              </a:rPr>
+            </a:br>
+            <a:r>
+              <a:rPr lang="en-GB" sz="3200" dirty="0">
+                <a:solidFill>
+                  <a:srgbClr val="59D01E"/>
+                </a:solidFill>
+                <a:latin typeface="Segoe UI Light" panose="020B0502040204020203" pitchFamily="34" charset="0"/>
+              </a:rPr>
+              <a:t>✔ </a:t>
+            </a:r>
+            <a:r>
+              <a:rPr lang="en-GB" sz="3200" dirty="0">
+                <a:latin typeface="Segoe UI Light" panose="020B0502040204020203" pitchFamily="34" charset="0"/>
+              </a:rPr>
+              <a:t>Type providers more powerful</a:t>
+            </a:r>
+            <a:br>
+              <a:rPr lang="en-GB" sz="3200" dirty="0">
+                <a:latin typeface="Segoe UI Light" panose="020B0502040204020203" pitchFamily="34" charset="0"/>
+              </a:rPr>
+            </a:br>
+            <a:br>
+              <a:rPr lang="en-GB" sz="4000" dirty="0">
+                <a:latin typeface="Segoe UI Light" panose="020B0502040204020203" pitchFamily="34" charset="0"/>
+              </a:rPr>
+            </a:br>
+            <a:r>
+              <a:rPr lang="en-GB" sz="2800" dirty="0">
+                <a:solidFill>
+                  <a:srgbClr val="59D01E"/>
+                </a:solidFill>
+                <a:latin typeface="Segoe UI Light" panose="020B0502040204020203" pitchFamily="34" charset="0"/>
+              </a:rPr>
+              <a:t>✔ </a:t>
+            </a:r>
+            <a:r>
+              <a:rPr lang="en-GB" sz="2800" dirty="0">
+                <a:latin typeface="Segoe UI Light" panose="020B0502040204020203" pitchFamily="34" charset="0"/>
+              </a:rPr>
+              <a:t>Better debugging, tooling, performance</a:t>
+            </a:r>
+            <a:br>
+              <a:rPr lang="en-GB" sz="2800" dirty="0">
+                <a:latin typeface="Segoe UI Light" panose="020B0502040204020203" pitchFamily="34" charset="0"/>
+              </a:rPr>
+            </a:br>
+            <a:r>
+              <a:rPr lang="en-GB" sz="2800" dirty="0">
+                <a:solidFill>
+                  <a:srgbClr val="59D01E"/>
+                </a:solidFill>
+                <a:latin typeface="Segoe UI Light" panose="020B0502040204020203" pitchFamily="34" charset="0"/>
+              </a:rPr>
+              <a:t>✔ </a:t>
+            </a:r>
+            <a:r>
+              <a:rPr lang="en-GB" sz="2800" dirty="0">
                 <a:gradFill flip="none" rotWithShape="1">
                   <a:gsLst>
                     <a:gs pos="0">
@@ -17188,50 +16739,8 @@
                 </a:gradFill>
                 <a:latin typeface="Segoe UI Light" panose="020B0502040204020203" pitchFamily="34" charset="0"/>
               </a:rPr>
-              <a:t>Improved async debugging</a:t>
-            </a:r>
-            <a:br>
-              <a:rPr lang="en-GB" sz="4000" dirty="0">
-                <a:gradFill flip="none" rotWithShape="1">
-                  <a:gsLst>
-                    <a:gs pos="0">
-                      <a:prstClr val="black"/>
-                    </a:gs>
-                    <a:gs pos="86000">
-                      <a:prstClr val="black"/>
-                    </a:gs>
-                  </a:gsLst>
-                  <a:lin ang="5400000" scaled="0"/>
-                  <a:tileRect/>
-                </a:gradFill>
-                <a:latin typeface="Segoe UI Light" panose="020B0502040204020203" pitchFamily="34" charset="0"/>
-              </a:rPr>
-            </a:br>
-            <a:br>
-              <a:rPr lang="en-GB" sz="4000" dirty="0">
-                <a:latin typeface="Segoe UI Light" panose="020B0502040204020203" pitchFamily="34" charset="0"/>
-              </a:rPr>
-            </a:br>
-            <a:r>
-              <a:rPr lang="en-GB" sz="2800" dirty="0">
-                <a:solidFill>
-                  <a:srgbClr val="59D01E"/>
-                </a:solidFill>
-                <a:latin typeface="Segoe UI Light" panose="020B0502040204020203" pitchFamily="34" charset="0"/>
-              </a:rPr>
-              <a:t>✔ </a:t>
-            </a:r>
-            <a:r>
-              <a:rPr lang="en-GB" sz="2800" dirty="0">
-                <a:latin typeface="Segoe UI Light" panose="020B0502040204020203" pitchFamily="34" charset="0"/>
-              </a:rPr>
-              <a:t>More bits and pieces</a:t>
-            </a:r>
-            <a:br>
-              <a:rPr lang="en-GB" sz="2800" dirty="0">
-                <a:latin typeface="Segoe UI Light" panose="020B0502040204020203" pitchFamily="34" charset="0"/>
-              </a:rPr>
-            </a:br>
+              <a:t>~20% compiler perf improvement</a:t>
+            </a:r>
             <a:endParaRPr lang="en-GB" sz="4800" dirty="0">
               <a:latin typeface="Segoe UI Light" panose="020B0502040204020203" pitchFamily="34" charset="0"/>
             </a:endParaRPr>
@@ -17243,7 +16752,7 @@
           <p:cNvPr id="3" name="Rectangle 2">
             <a:extLst>
               <a:ext uri="{FF2B5EF4-FFF2-40B4-BE49-F238E27FC236}">
-                <a16:creationId xmlns:a16="http://schemas.microsoft.com/office/drawing/2014/main" id="{2596C14F-8864-4517-B823-2B96176C547D}"/>
+                <a16:creationId xmlns:a16="http://schemas.microsoft.com/office/drawing/2014/main" id="{5377655A-33BF-4555-BF8E-CB8D70F89BDF}"/>
               </a:ext>
             </a:extLst>
           </p:cNvPr>
@@ -17252,7 +16761,7 @@
         </p:nvSpPr>
         <p:spPr>
           <a:xfrm>
-            <a:off x="1357744" y="5738198"/>
+            <a:off x="1706760" y="6139980"/>
             <a:ext cx="8700655" cy="369332"/>
           </a:xfrm>
           <a:prstGeom prst="rect">
@@ -17298,7 +16807,7 @@
                 <a:cs typeface="+mn-cs"/>
                 <a:hlinkClick r:id="rId2"/>
               </a:rPr>
-              <a:t>https://github.com/fsharp/fslang-design/tree/master/FSharp-4.5</a:t>
+              <a:t>https://github.com/fsharp/fslang-design/tree/master/FSharp-4.0</a:t>
             </a:r>
             <a:r>
               <a:rPr kumimoji="0" lang="en-GB" sz="1800" b="0" i="0" u="none" strike="noStrike" kern="1200" cap="none" spc="0" normalizeH="0" baseline="0" noProof="0" dirty="0">
@@ -17323,7 +16832,7 @@
     </p:spTree>
     <p:extLst>
       <p:ext uri="{BB962C8B-B14F-4D97-AF65-F5344CB8AC3E}">
-        <p14:creationId xmlns:p14="http://schemas.microsoft.com/office/powerpoint/2010/main" val="2212823707"/>
+        <p14:creationId xmlns:p14="http://schemas.microsoft.com/office/powerpoint/2010/main" val="3737051760"/>
       </p:ext>
     </p:extLst>
   </p:cSld>
@@ -17371,7 +16880,7 @@
         <p:spPr>
           <a:xfrm>
             <a:off x="469088" y="1059158"/>
-            <a:ext cx="11176000" cy="3379387"/>
+            <a:ext cx="11176000" cy="5152180"/>
           </a:xfrm>
         </p:spPr>
         <p:txBody>
@@ -17383,7 +16892,7 @@
               <a:rPr lang="en-GB" sz="4800" dirty="0">
                 <a:latin typeface="Segoe UI Light" panose="020B0502040204020203" pitchFamily="34" charset="0"/>
               </a:rPr>
-              <a:t>F# 4.6</a:t>
+              <a:t>F# 4.1</a:t>
             </a:r>
             <a:br>
               <a:rPr lang="en-GB" sz="4800" dirty="0">
@@ -17408,10 +16917,162 @@
               <a:rPr lang="en-GB" sz="3200" dirty="0">
                 <a:latin typeface="Segoe UI Light" panose="020B0502040204020203" pitchFamily="34" charset="0"/>
               </a:rPr>
-              <a:t>Anonymous records</a:t>
+              <a:t>Optional large scope cycles more on this later)</a:t>
             </a:r>
             <a:br>
               <a:rPr lang="en-GB" sz="3200" dirty="0">
+                <a:latin typeface="Segoe UI Light" panose="020B0502040204020203" pitchFamily="34" charset="0"/>
+              </a:rPr>
+            </a:br>
+            <a:r>
+              <a:rPr lang="en-GB" sz="3200" dirty="0">
+                <a:solidFill>
+                  <a:srgbClr val="59D01E"/>
+                </a:solidFill>
+                <a:latin typeface="Segoe UI Light" panose="020B0502040204020203" pitchFamily="34" charset="0"/>
+              </a:rPr>
+              <a:t>✔ </a:t>
+            </a:r>
+            <a:r>
+              <a:rPr lang="en-GB" sz="3200" dirty="0">
+                <a:latin typeface="Segoe UI Light" panose="020B0502040204020203" pitchFamily="34" charset="0"/>
+              </a:rPr>
+              <a:t>Result&lt;</a:t>
+            </a:r>
+            <a:r>
+              <a:rPr lang="en-GB" sz="3200" dirty="0" err="1">
+                <a:latin typeface="Segoe UI Light" panose="020B0502040204020203" pitchFamily="34" charset="0"/>
+              </a:rPr>
+              <a:t>T,Error</a:t>
+            </a:r>
+            <a:r>
+              <a:rPr lang="en-GB" sz="3200" dirty="0">
+                <a:latin typeface="Segoe UI Light" panose="020B0502040204020203" pitchFamily="34" charset="0"/>
+              </a:rPr>
+              <a:t>&gt; in standard library</a:t>
+            </a:r>
+            <a:br>
+              <a:rPr lang="en-GB" sz="3200" dirty="0">
+                <a:latin typeface="Segoe UI Light" panose="020B0502040204020203" pitchFamily="34" charset="0"/>
+              </a:rPr>
+            </a:br>
+            <a:r>
+              <a:rPr lang="en-GB" sz="3200" dirty="0">
+                <a:solidFill>
+                  <a:srgbClr val="59D01E"/>
+                </a:solidFill>
+                <a:latin typeface="Segoe UI Light" panose="020B0502040204020203" pitchFamily="34" charset="0"/>
+              </a:rPr>
+              <a:t>✔ </a:t>
+            </a:r>
+            <a:r>
+              <a:rPr lang="en-GB" sz="3200" dirty="0">
+                <a:gradFill flip="none" rotWithShape="1">
+                  <a:gsLst>
+                    <a:gs pos="0">
+                      <a:prstClr val="black"/>
+                    </a:gs>
+                    <a:gs pos="86000">
+                      <a:prstClr val="black"/>
+                    </a:gs>
+                  </a:gsLst>
+                  <a:lin ang="5400000" scaled="0"/>
+                  <a:tileRect/>
+                </a:gradFill>
+                <a:latin typeface="Segoe UI Light" panose="020B0502040204020203" pitchFamily="34" charset="0"/>
+              </a:rPr>
+              <a:t>Unboxed (struct) tuples</a:t>
+            </a:r>
+            <a:br>
+              <a:rPr lang="en-GB" sz="3200" dirty="0">
+                <a:gradFill flip="none" rotWithShape="1">
+                  <a:gsLst>
+                    <a:gs pos="0">
+                      <a:prstClr val="black"/>
+                    </a:gs>
+                    <a:gs pos="86000">
+                      <a:prstClr val="black"/>
+                    </a:gs>
+                  </a:gsLst>
+                  <a:lin ang="5400000" scaled="0"/>
+                  <a:tileRect/>
+                </a:gradFill>
+                <a:latin typeface="Segoe UI Light" panose="020B0502040204020203" pitchFamily="34" charset="0"/>
+              </a:rPr>
+            </a:br>
+            <a:r>
+              <a:rPr lang="en-GB" sz="3200" dirty="0">
+                <a:solidFill>
+                  <a:srgbClr val="59D01E"/>
+                </a:solidFill>
+                <a:latin typeface="Segoe UI Light" panose="020B0502040204020203" pitchFamily="34" charset="0"/>
+              </a:rPr>
+              <a:t>✔ </a:t>
+            </a:r>
+            <a:r>
+              <a:rPr lang="en-GB" sz="3200" dirty="0">
+                <a:gradFill flip="none" rotWithShape="1">
+                  <a:gsLst>
+                    <a:gs pos="0">
+                      <a:prstClr val="black"/>
+                    </a:gs>
+                    <a:gs pos="86000">
+                      <a:prstClr val="black"/>
+                    </a:gs>
+                  </a:gsLst>
+                  <a:lin ang="5400000" scaled="0"/>
+                  <a:tileRect/>
+                </a:gradFill>
+                <a:latin typeface="Segoe UI Light" panose="020B0502040204020203" pitchFamily="34" charset="0"/>
+              </a:rPr>
+              <a:t>Unboxed (struct) records</a:t>
+            </a:r>
+            <a:br>
+              <a:rPr lang="en-GB" sz="4000" dirty="0">
+                <a:latin typeface="Segoe UI Light" panose="020B0502040204020203" pitchFamily="34" charset="0"/>
+              </a:rPr>
+            </a:br>
+            <a:r>
+              <a:rPr lang="en-GB" sz="3200" dirty="0">
+                <a:solidFill>
+                  <a:srgbClr val="59D01E"/>
+                </a:solidFill>
+                <a:latin typeface="Segoe UI Light" panose="020B0502040204020203" pitchFamily="34" charset="0"/>
+              </a:rPr>
+              <a:t>✔ </a:t>
+            </a:r>
+            <a:r>
+              <a:rPr lang="en-GB" sz="3200" dirty="0">
+                <a:gradFill flip="none" rotWithShape="1">
+                  <a:gsLst>
+                    <a:gs pos="0">
+                      <a:prstClr val="black"/>
+                    </a:gs>
+                    <a:gs pos="86000">
+                      <a:prstClr val="black"/>
+                    </a:gs>
+                  </a:gsLst>
+                  <a:lin ang="5400000" scaled="0"/>
+                  <a:tileRect/>
+                </a:gradFill>
+                <a:latin typeface="Segoe UI Light" panose="020B0502040204020203" pitchFamily="34" charset="0"/>
+              </a:rPr>
+              <a:t>Unboxed (struct) unions</a:t>
+            </a:r>
+            <a:br>
+              <a:rPr lang="en-GB" sz="4000" dirty="0">
+                <a:gradFill flip="none" rotWithShape="1">
+                  <a:gsLst>
+                    <a:gs pos="0">
+                      <a:prstClr val="black"/>
+                    </a:gs>
+                    <a:gs pos="86000">
+                      <a:prstClr val="black"/>
+                    </a:gs>
+                  </a:gsLst>
+                  <a:lin ang="5400000" scaled="0"/>
+                  <a:tileRect/>
+                </a:gradFill>
                 <a:latin typeface="Segoe UI Light" panose="020B0502040204020203" pitchFamily="34" charset="0"/>
               </a:rPr>
             </a:br>
@@ -17506,7 +17167,7 @@
                 <a:cs typeface="+mn-cs"/>
                 <a:hlinkClick r:id="rId2"/>
               </a:rPr>
-              <a:t>https://github.com/fsharp/fslang-design/tree/master/FSharp-4.5</a:t>
+              <a:t>https://github.com/fsharp/fslang-design/tree/master/FSharp-4.1</a:t>
             </a:r>
             <a:r>
               <a:rPr kumimoji="0" lang="en-GB" sz="1800" b="0" i="0" u="none" strike="noStrike" kern="1200" cap="none" spc="0" normalizeH="0" baseline="0" noProof="0" dirty="0">
@@ -17531,7 +17192,7 @@
     </p:spTree>
     <p:extLst>
       <p:ext uri="{BB962C8B-B14F-4D97-AF65-F5344CB8AC3E}">
-        <p14:creationId xmlns:p14="http://schemas.microsoft.com/office/powerpoint/2010/main" val="2874551225"/>
+        <p14:creationId xmlns:p14="http://schemas.microsoft.com/office/powerpoint/2010/main" val="3319216988"/>
       </p:ext>
     </p:extLst>
   </p:cSld>
@@ -17579,7 +17240,7 @@
         <p:spPr>
           <a:xfrm>
             <a:off x="469088" y="1059158"/>
-            <a:ext cx="11176000" cy="5650778"/>
+            <a:ext cx="11176000" cy="3822585"/>
           </a:xfrm>
         </p:spPr>
         <p:txBody>
@@ -17591,7 +17252,7 @@
               <a:rPr lang="en-GB" sz="4800" dirty="0">
                 <a:latin typeface="Segoe UI Light" panose="020B0502040204020203" pitchFamily="34" charset="0"/>
               </a:rPr>
-              <a:t>F# 4.7</a:t>
+              <a:t>F# 4.5</a:t>
             </a:r>
             <a:br>
               <a:rPr lang="en-GB" sz="4800" dirty="0">
@@ -17616,13 +17277,8 @@
               <a:rPr lang="en-GB" sz="3200" dirty="0">
                 <a:latin typeface="Segoe UI Light" panose="020B0502040204020203" pitchFamily="34" charset="0"/>
               </a:rPr>
-              <a:t>Wildcard self identifiers</a:t>
-            </a:r>
-            <a:br>
-              <a:rPr lang="en-GB" sz="3200" dirty="0">
-                <a:latin typeface="Segoe UI Light" panose="020B0502040204020203" pitchFamily="34" charset="0"/>
-              </a:rPr>
-            </a:br>
+              <a:t>Span&lt;T&gt; high perf type-safe non-allocating code</a:t>
+            </a:r>
             <a:br>
               <a:rPr lang="en-GB" sz="3200" dirty="0">
                 <a:latin typeface="Segoe UI Light" panose="020B0502040204020203" pitchFamily="34" charset="0"/>
@@ -17639,22 +17295,46 @@
             </a:r>
             <a:r>
               <a:rPr lang="en-GB" sz="3200" dirty="0">
+                <a:gradFill flip="none" rotWithShape="1">
+                  <a:gsLst>
+                    <a:gs pos="0">
+                      <a:prstClr val="black"/>
+                    </a:gs>
+                    <a:gs pos="86000">
+                      <a:prstClr val="black"/>
+                    </a:gs>
+                  </a:gsLst>
+                  <a:lin ang="5400000" scaled="0"/>
+                  <a:tileRect/>
+                </a:gradFill>
                 <a:latin typeface="Segoe UI Light" panose="020B0502040204020203" pitchFamily="34" charset="0"/>
               </a:rPr>
-              <a:t>Implicit yields</a:t>
-            </a:r>
-            <a:br>
-              <a:rPr lang="en-GB" sz="3200" dirty="0">
+              <a:t>Improved async debugging</a:t>
+            </a:r>
+            <a:br>
+              <a:rPr lang="en-GB" sz="4000" dirty="0">
+                <a:gradFill flip="none" rotWithShape="1">
+                  <a:gsLst>
+                    <a:gs pos="0">
+                      <a:prstClr val="black"/>
+                    </a:gs>
+                    <a:gs pos="86000">
+                      <a:prstClr val="black"/>
+                    </a:gs>
+                  </a:gsLst>
+                  <a:lin ang="5400000" scaled="0"/>
+                  <a:tileRect/>
+                </a:gradFill>
                 <a:latin typeface="Segoe UI Light" panose="020B0502040204020203" pitchFamily="34" charset="0"/>
               </a:rPr>
             </a:br>
             <a:br>
-              <a:rPr lang="en-GB" sz="3200" dirty="0">
+              <a:rPr lang="en-GB" sz="4000" dirty="0">
                 <a:latin typeface="Segoe UI Light" panose="020B0502040204020203" pitchFamily="34" charset="0"/>
               </a:rPr>
             </a:br>
             <a:r>
-              <a:rPr lang="en-GB" sz="3200" dirty="0">
+              <a:rPr lang="en-GB" sz="2800" dirty="0">
                 <a:solidFill>
                   <a:srgbClr val="59D01E"/>
                 </a:solidFill>
@@ -17663,28 +17343,13 @@
               <a:t>✔ </a:t>
             </a:r>
             <a:r>
-              <a:rPr lang="en-GB" sz="3200" dirty="0">
+              <a:rPr lang="en-GB" sz="2800" dirty="0">
                 <a:latin typeface="Segoe UI Light" panose="020B0502040204020203" pitchFamily="34" charset="0"/>
               </a:rPr>
-              <a:t>Indentation syntax relaxations</a:t>
-            </a:r>
-            <a:br>
-              <a:rPr lang="en-GB" sz="3200" dirty="0">
-                <a:latin typeface="Segoe UI Light" panose="020B0502040204020203" pitchFamily="34" charset="0"/>
-              </a:rPr>
-            </a:br>
-            <a:br>
-              <a:rPr lang="en-GB" sz="3200" dirty="0">
-                <a:latin typeface="Segoe UI Light" panose="020B0502040204020203" pitchFamily="34" charset="0"/>
-              </a:rPr>
-            </a:br>
-            <a:br>
-              <a:rPr lang="en-GB" sz="3200" dirty="0">
-                <a:latin typeface="Segoe UI Light" panose="020B0502040204020203" pitchFamily="34" charset="0"/>
-              </a:rPr>
-            </a:br>
-            <a:br>
-              <a:rPr lang="en-GB" sz="4000" dirty="0">
+              <a:t>More bits and pieces</a:t>
+            </a:r>
+            <a:br>
+              <a:rPr lang="en-GB" sz="2800" dirty="0">
                 <a:latin typeface="Segoe UI Light" panose="020B0502040204020203" pitchFamily="34" charset="0"/>
               </a:rPr>
             </a:br>
@@ -17739,25 +17404,6 @@
               <a:defRPr/>
             </a:pPr>
             <a:r>
-              <a:rPr lang="en-GB" dirty="0">
-                <a:solidFill>
-                  <a:prstClr val="black"/>
-                </a:solidFill>
-                <a:latin typeface="Segoe UI"/>
-                <a:hlinkClick r:id="rId2"/>
-              </a:rPr>
-              <a:t>https://github.com/fsharp/fslang-design/tree/master/FSharp-4.7</a:t>
-            </a:r>
-            <a:r>
-              <a:rPr lang="en-GB" dirty="0">
-                <a:solidFill>
-                  <a:prstClr val="black"/>
-                </a:solidFill>
-                <a:latin typeface="Segoe UI"/>
-              </a:rPr>
-              <a:t> </a:t>
-            </a:r>
-            <a:r>
               <a:rPr kumimoji="0" lang="en-GB" sz="1800" b="0" i="0" u="none" strike="noStrike" kern="1200" cap="none" spc="0" normalizeH="0" baseline="0" noProof="0" dirty="0">
                 <a:ln>
                   <a:noFill/>
@@ -17771,6 +17417,24 @@
                 <a:latin typeface="Segoe UI"/>
                 <a:ea typeface="+mn-ea"/>
                 <a:cs typeface="+mn-cs"/>
+                <a:hlinkClick r:id="rId2"/>
+              </a:rPr>
+              <a:t>https://github.com/fsharp/fslang-design/tree/master/FSharp-4.5</a:t>
+            </a:r>
+            <a:r>
+              <a:rPr kumimoji="0" lang="en-GB" sz="1800" b="0" i="0" u="none" strike="noStrike" kern="1200" cap="none" spc="0" normalizeH="0" baseline="0" noProof="0" dirty="0">
+                <a:ln>
+                  <a:noFill/>
+                </a:ln>
+                <a:solidFill>
+                  <a:prstClr val="black"/>
+                </a:solidFill>
+                <a:effectLst/>
+                <a:uLnTx/>
+                <a:uFillTx/>
+                <a:latin typeface="Segoe UI"/>
+                <a:ea typeface="+mn-ea"/>
+                <a:cs typeface="+mn-cs"/>
               </a:rPr>
               <a:t> </a:t>
             </a:r>
@@ -17780,7 +17444,7 @@
     </p:spTree>
     <p:extLst>
       <p:ext uri="{BB962C8B-B14F-4D97-AF65-F5344CB8AC3E}">
-        <p14:creationId xmlns:p14="http://schemas.microsoft.com/office/powerpoint/2010/main" val="2886072683"/>
+        <p14:creationId xmlns:p14="http://schemas.microsoft.com/office/powerpoint/2010/main" val="2212823707"/>
       </p:ext>
     </p:extLst>
   </p:cSld>
@@ -17828,7 +17492,7 @@
         <p:spPr>
           <a:xfrm>
             <a:off x="469088" y="1059158"/>
-            <a:ext cx="11176000" cy="5983176"/>
+            <a:ext cx="11176000" cy="3379387"/>
           </a:xfrm>
         </p:spPr>
         <p:txBody>
@@ -17840,7 +17504,7 @@
               <a:rPr lang="en-GB" sz="4800" dirty="0">
                 <a:latin typeface="Segoe UI Light" panose="020B0502040204020203" pitchFamily="34" charset="0"/>
               </a:rPr>
-              <a:t>F# 5.x (preview)</a:t>
+              <a:t>F# 4.6</a:t>
             </a:r>
             <a:br>
               <a:rPr lang="en-GB" sz="4800" dirty="0">
@@ -17848,12 +17512,12 @@
               </a:rPr>
             </a:br>
             <a:br>
-              <a:rPr lang="en-GB" sz="2400" dirty="0">
+              <a:rPr lang="en-GB" sz="4800" dirty="0">
                 <a:latin typeface="Segoe UI Light" panose="020B0502040204020203" pitchFamily="34" charset="0"/>
               </a:rPr>
             </a:br>
             <a:r>
-              <a:rPr lang="en-GB" sz="2400" dirty="0">
+              <a:rPr lang="en-GB" sz="3200" dirty="0">
                 <a:solidFill>
                   <a:srgbClr val="59D01E"/>
                 </a:solidFill>
@@ -17862,24 +17526,23 @@
               <a:t>✔ </a:t>
             </a:r>
             <a:r>
-              <a:rPr lang="en-GB" sz="2400" dirty="0" err="1">
+              <a:rPr lang="en-GB" sz="3200" dirty="0">
                 <a:latin typeface="Segoe UI Light" panose="020B0502040204020203" pitchFamily="34" charset="0"/>
               </a:rPr>
-              <a:t>nameof</a:t>
-            </a:r>
-            <a:r>
-              <a:rPr lang="en-GB" sz="2400" dirty="0">
+              <a:t>Anonymous records</a:t>
+            </a:r>
+            <a:br>
+              <a:rPr lang="en-GB" sz="3200" dirty="0">
                 <a:latin typeface="Segoe UI Light" panose="020B0502040204020203" pitchFamily="34" charset="0"/>
               </a:rPr>
-              <a:t> operator</a:t>
-            </a:r>
-            <a:br>
-              <a:rPr lang="en-GB" sz="2400" dirty="0">
+            </a:br>
+            <a:br>
+              <a:rPr lang="en-GB" sz="4000" dirty="0">
                 <a:latin typeface="Segoe UI Light" panose="020B0502040204020203" pitchFamily="34" charset="0"/>
               </a:rPr>
             </a:br>
             <a:r>
-              <a:rPr lang="en-GB" sz="2400" dirty="0">
+              <a:rPr lang="en-GB" sz="2800" dirty="0">
                 <a:solidFill>
                   <a:srgbClr val="59D01E"/>
                 </a:solidFill>
@@ -17888,183 +17551,17 @@
               <a:t>✔ </a:t>
             </a:r>
             <a:r>
-              <a:rPr lang="en-GB" sz="2400" dirty="0">
+              <a:rPr lang="en-GB" sz="2800" dirty="0">
                 <a:latin typeface="Segoe UI Light" panose="020B0502040204020203" pitchFamily="34" charset="0"/>
               </a:rPr>
-              <a:t>support let! … and! for </a:t>
-            </a:r>
-            <a:r>
-              <a:rPr lang="en-GB" sz="2400" dirty="0" err="1">
+              <a:t>More bits and pieces</a:t>
+            </a:r>
+            <a:br>
+              <a:rPr lang="en-GB" sz="2800" dirty="0">
                 <a:latin typeface="Segoe UI Light" panose="020B0502040204020203" pitchFamily="34" charset="0"/>
               </a:rPr>
-              <a:t>applicatives</a:t>
-            </a:r>
-            <a:br>
-              <a:rPr lang="en-GB" sz="2400" dirty="0">
-                <a:latin typeface="Segoe UI Light" panose="020B0502040204020203" pitchFamily="34" charset="0"/>
-              </a:rPr>
-            </a:br>
-            <a:r>
-              <a:rPr lang="en-GB" sz="2400" dirty="0">
-                <a:solidFill>
-                  <a:srgbClr val="59D01E"/>
-                </a:solidFill>
-                <a:latin typeface="Segoe UI Light" panose="020B0502040204020203" pitchFamily="34" charset="0"/>
-              </a:rPr>
-              <a:t>✔ </a:t>
-            </a:r>
-            <a:r>
-              <a:rPr lang="en-GB" sz="2400" dirty="0">
-                <a:latin typeface="Segoe UI Light" panose="020B0502040204020203" pitchFamily="34" charset="0"/>
-              </a:rPr>
-              <a:t>open static classes</a:t>
-            </a:r>
-            <a:br>
-              <a:rPr lang="en-GB" sz="2400" dirty="0">
-                <a:latin typeface="Segoe UI Light" panose="020B0502040204020203" pitchFamily="34" charset="0"/>
-              </a:rPr>
-            </a:br>
-            <a:r>
-              <a:rPr lang="en-GB" sz="2400" dirty="0">
-                <a:solidFill>
-                  <a:srgbClr val="59D01E"/>
-                </a:solidFill>
-                <a:latin typeface="Segoe UI Light" panose="020B0502040204020203" pitchFamily="34" charset="0"/>
-              </a:rPr>
-              <a:t>✔ </a:t>
-            </a:r>
-            <a:r>
-              <a:rPr lang="en-GB" sz="2400" dirty="0">
-                <a:latin typeface="Segoe UI Light" panose="020B0502040204020203" pitchFamily="34" charset="0"/>
-              </a:rPr>
-              <a:t>witness passing for quotations</a:t>
-            </a:r>
-            <a:br>
-              <a:rPr lang="en-GB" sz="2400" dirty="0">
-                <a:latin typeface="Segoe UI Light" panose="020B0502040204020203" pitchFamily="34" charset="0"/>
-              </a:rPr>
-            </a:br>
-            <a:r>
-              <a:rPr lang="en-GB" sz="2400" dirty="0">
-                <a:solidFill>
-                  <a:srgbClr val="59D01E"/>
-                </a:solidFill>
-                <a:latin typeface="Segoe UI Light" panose="020B0502040204020203" pitchFamily="34" charset="0"/>
-              </a:rPr>
-              <a:t>✔ </a:t>
-            </a:r>
-            <a:r>
-              <a:rPr lang="en-GB" sz="2400" dirty="0">
-                <a:latin typeface="Segoe UI Light" panose="020B0502040204020203" pitchFamily="34" charset="0"/>
-              </a:rPr>
-              <a:t>default interface members</a:t>
-            </a:r>
-            <a:br>
-              <a:rPr lang="en-GB" sz="2400" dirty="0">
-                <a:latin typeface="Segoe UI Light" panose="020B0502040204020203" pitchFamily="34" charset="0"/>
-              </a:rPr>
-            </a:br>
-            <a:r>
-              <a:rPr lang="en-GB" sz="2400" dirty="0">
-                <a:solidFill>
-                  <a:srgbClr val="59D01E"/>
-                </a:solidFill>
-                <a:latin typeface="Segoe UI Light" panose="020B0502040204020203" pitchFamily="34" charset="0"/>
-              </a:rPr>
-              <a:t>✔ </a:t>
-            </a:r>
-            <a:r>
-              <a:rPr lang="en-GB" sz="2400" dirty="0">
-                <a:latin typeface="Segoe UI Light" panose="020B0502040204020203" pitchFamily="34" charset="0"/>
-              </a:rPr>
-              <a:t>nullable interop</a:t>
-            </a:r>
-            <a:br>
-              <a:rPr lang="en-GB" sz="2400" dirty="0">
-                <a:latin typeface="Segoe UI Light" panose="020B0502040204020203" pitchFamily="34" charset="0"/>
-              </a:rPr>
-            </a:br>
-            <a:r>
-              <a:rPr lang="en-GB" sz="2400" dirty="0">
-                <a:solidFill>
-                  <a:srgbClr val="59D01E"/>
-                </a:solidFill>
-                <a:latin typeface="Segoe UI Light" panose="020B0502040204020203" pitchFamily="34" charset="0"/>
-              </a:rPr>
-              <a:t>✔ </a:t>
-            </a:r>
-            <a:r>
-              <a:rPr lang="en-GB" sz="2400" dirty="0">
-                <a:latin typeface="Segoe UI Light" panose="020B0502040204020203" pitchFamily="34" charset="0"/>
-              </a:rPr>
-              <a:t>slicing improvements</a:t>
-            </a:r>
-            <a:br>
-              <a:rPr lang="en-GB" sz="2400" dirty="0">
-                <a:latin typeface="Segoe UI Light" panose="020B0502040204020203" pitchFamily="34" charset="0"/>
-              </a:rPr>
-            </a:br>
-            <a:r>
-              <a:rPr lang="en-GB" sz="2400" dirty="0">
-                <a:solidFill>
-                  <a:srgbClr val="59D01E"/>
-                </a:solidFill>
-                <a:latin typeface="Segoe UI Light" panose="020B0502040204020203" pitchFamily="34" charset="0"/>
-              </a:rPr>
-              <a:t>✔ </a:t>
-            </a:r>
-            <a:r>
-              <a:rPr lang="en-GB" sz="2400" dirty="0">
-                <a:latin typeface="Segoe UI Light" panose="020B0502040204020203" pitchFamily="34" charset="0"/>
-              </a:rPr>
-              <a:t>string interpolation</a:t>
-            </a:r>
-            <a:br>
-              <a:rPr lang="en-GB" sz="2400" dirty="0">
-                <a:latin typeface="Segoe UI Light" panose="020B0502040204020203" pitchFamily="34" charset="0"/>
-              </a:rPr>
-            </a:br>
-            <a:r>
-              <a:rPr lang="en-GB" sz="2400" dirty="0">
-                <a:solidFill>
-                  <a:srgbClr val="59D01E"/>
-                </a:solidFill>
-                <a:latin typeface="Segoe UI Light" panose="020B0502040204020203" pitchFamily="34" charset="0"/>
-              </a:rPr>
-              <a:t>✔ </a:t>
-            </a:r>
-            <a:r>
-              <a:rPr lang="en-GB" sz="2400" dirty="0">
-                <a:latin typeface="Segoe UI Light" panose="020B0502040204020203" pitchFamily="34" charset="0"/>
-              </a:rPr>
-              <a:t>extension members for constraints</a:t>
-            </a:r>
-            <a:br>
-              <a:rPr lang="en-GB" sz="2400" dirty="0">
-                <a:latin typeface="Segoe UI Light" panose="020B0502040204020203" pitchFamily="34" charset="0"/>
-              </a:rPr>
-            </a:br>
-            <a:br>
-              <a:rPr lang="en-GB" sz="2400" dirty="0">
-                <a:latin typeface="Segoe UI Light" panose="020B0502040204020203" pitchFamily="34" charset="0"/>
-              </a:rPr>
-            </a:br>
-            <a:br>
-              <a:rPr lang="en-GB" sz="2400" dirty="0">
-                <a:latin typeface="Segoe UI Light" panose="020B0502040204020203" pitchFamily="34" charset="0"/>
-              </a:rPr>
-            </a:br>
-            <a:br>
-              <a:rPr lang="en-GB" sz="2400" dirty="0">
-                <a:latin typeface="Segoe UI Light" panose="020B0502040204020203" pitchFamily="34" charset="0"/>
-              </a:rPr>
-            </a:br>
-            <a:br>
-              <a:rPr lang="en-GB" sz="3200" dirty="0">
-                <a:latin typeface="Segoe UI Light" panose="020B0502040204020203" pitchFamily="34" charset="0"/>
-              </a:rPr>
-            </a:br>
-            <a:endParaRPr lang="en-GB" sz="4000" dirty="0">
+            </a:br>
+            <a:endParaRPr lang="en-GB" sz="4800" dirty="0">
               <a:latin typeface="Segoe UI Light" panose="020B0502040204020203" pitchFamily="34" charset="0"/>
             </a:endParaRPr>
           </a:p>
@@ -18115,25 +17612,6 @@
               <a:defRPr/>
             </a:pPr>
             <a:r>
-              <a:rPr lang="en-GB" dirty="0">
-                <a:solidFill>
-                  <a:prstClr val="black"/>
-                </a:solidFill>
-                <a:latin typeface="Segoe UI"/>
-                <a:hlinkClick r:id="rId2"/>
-              </a:rPr>
-              <a:t>https://github.com/fsharp/fslang-design/tree/master/preview</a:t>
-            </a:r>
-            <a:r>
-              <a:rPr lang="en-GB" dirty="0">
-                <a:solidFill>
-                  <a:prstClr val="black"/>
-                </a:solidFill>
-                <a:latin typeface="Segoe UI"/>
-              </a:rPr>
-              <a:t>  </a:t>
-            </a:r>
-            <a:r>
               <a:rPr kumimoji="0" lang="en-GB" sz="1800" b="0" i="0" u="none" strike="noStrike" kern="1200" cap="none" spc="0" normalizeH="0" baseline="0" noProof="0" dirty="0">
                 <a:ln>
                   <a:noFill/>
@@ -18147,6 +17625,24 @@
                 <a:latin typeface="Segoe UI"/>
                 <a:ea typeface="+mn-ea"/>
                 <a:cs typeface="+mn-cs"/>
+                <a:hlinkClick r:id="rId2"/>
+              </a:rPr>
+              <a:t>https://github.com/fsharp/fslang-design/tree/master/FSharp-4.5</a:t>
+            </a:r>
+            <a:r>
+              <a:rPr kumimoji="0" lang="en-GB" sz="1800" b="0" i="0" u="none" strike="noStrike" kern="1200" cap="none" spc="0" normalizeH="0" baseline="0" noProof="0" dirty="0">
+                <a:ln>
+                  <a:noFill/>
+                </a:ln>
+                <a:solidFill>
+                  <a:prstClr val="black"/>
+                </a:solidFill>
+                <a:effectLst/>
+                <a:uLnTx/>
+                <a:uFillTx/>
+                <a:latin typeface="Segoe UI"/>
+                <a:ea typeface="+mn-ea"/>
+                <a:cs typeface="+mn-cs"/>
               </a:rPr>
               <a:t> </a:t>
             </a:r>
@@ -18156,18 +17652,18 @@
     </p:spTree>
     <p:extLst>
       <p:ext uri="{BB962C8B-B14F-4D97-AF65-F5344CB8AC3E}">
-        <p14:creationId xmlns:p14="http://schemas.microsoft.com/office/powerpoint/2010/main" val="3904759153"/>
+        <p14:creationId xmlns:p14="http://schemas.microsoft.com/office/powerpoint/2010/main" val="2874551225"/>
       </p:ext>
     </p:extLst>
   </p:cSld>
   <p:clrMapOvr>
     <a:masterClrMapping/>
   </p:clrMapOvr>
-  <mc:AlternateContent xmlns:mc="http://schemas.openxmlformats.org/markup-compatibility/2006">
-    <mc:Choice xmlns:p14="http://schemas.microsoft.com/office/powerpoint/2010/main" Requires="p14">
+  <mc:AlternateContent xmlns:mc="http://schemas.openxmlformats.org/markup-compatibility/2006" xmlns:p14="http://schemas.microsoft.com/office/powerpoint/2010/main">
+    <mc:Choice Requires="p14">
       <p:transition p14:dur="0"/>
     </mc:Choice>
-    <mc:Fallback>
+    <mc:Fallback xmlns="">
       <p:transition/>
     </mc:Fallback>
   </mc:AlternateContent>
@@ -18193,10 +17689,138 @@
       </p:grpSpPr>
       <p:sp>
         <p:nvSpPr>
-          <p:cNvPr id="2" name="Rectangle 1">
+          <p:cNvPr id="2" name="Title 1"/>
+          <p:cNvSpPr>
+            <a:spLocks noGrp="1"/>
+          </p:cNvSpPr>
+          <p:nvPr>
+            <p:ph type="title"/>
+          </p:nvPr>
+        </p:nvSpPr>
+        <p:spPr>
+          <a:xfrm>
+            <a:off x="469088" y="1059158"/>
+            <a:ext cx="11176000" cy="5650778"/>
+          </a:xfrm>
+        </p:spPr>
+        <p:txBody>
+          <a:bodyPr/>
+          <a:lstStyle/>
+          <a:p>
+            <a:pPr algn="l"/>
+            <a:r>
+              <a:rPr lang="en-GB" sz="4800" dirty="0">
+                <a:latin typeface="Segoe UI Light" panose="020B0502040204020203" pitchFamily="34" charset="0"/>
+              </a:rPr>
+              <a:t>F# 4.7</a:t>
+            </a:r>
+            <a:br>
+              <a:rPr lang="en-GB" sz="4800" dirty="0">
+                <a:latin typeface="Segoe UI Light" panose="020B0502040204020203" pitchFamily="34" charset="0"/>
+              </a:rPr>
+            </a:br>
+            <a:br>
+              <a:rPr lang="en-GB" sz="4800" dirty="0">
+                <a:latin typeface="Segoe UI Light" panose="020B0502040204020203" pitchFamily="34" charset="0"/>
+              </a:rPr>
+            </a:br>
+            <a:r>
+              <a:rPr lang="en-GB" sz="3200" dirty="0">
+                <a:solidFill>
+                  <a:srgbClr val="59D01E"/>
+                </a:solidFill>
+                <a:latin typeface="Segoe UI Light" panose="020B0502040204020203" pitchFamily="34" charset="0"/>
+              </a:rPr>
+              <a:t>✔ </a:t>
+            </a:r>
+            <a:r>
+              <a:rPr lang="en-GB" sz="3200" dirty="0">
+                <a:latin typeface="Segoe UI Light" panose="020B0502040204020203" pitchFamily="34" charset="0"/>
+              </a:rPr>
+              <a:t>Wildcard self identifiers</a:t>
+            </a:r>
+            <a:br>
+              <a:rPr lang="en-GB" sz="3200" dirty="0">
+                <a:latin typeface="Segoe UI Light" panose="020B0502040204020203" pitchFamily="34" charset="0"/>
+              </a:rPr>
+            </a:br>
+            <a:br>
+              <a:rPr lang="en-GB" sz="3200" dirty="0">
+                <a:latin typeface="Segoe UI Light" panose="020B0502040204020203" pitchFamily="34" charset="0"/>
+              </a:rPr>
+            </a:br>
+            <a:r>
+              <a:rPr lang="en-GB" sz="3200" dirty="0">
+                <a:solidFill>
+                  <a:srgbClr val="59D01E"/>
+                </a:solidFill>
+                <a:latin typeface="Segoe UI Light" panose="020B0502040204020203" pitchFamily="34" charset="0"/>
+              </a:rPr>
+              <a:t>✔ </a:t>
+            </a:r>
+            <a:r>
+              <a:rPr lang="en-GB" sz="3200" dirty="0">
+                <a:latin typeface="Segoe UI Light" panose="020B0502040204020203" pitchFamily="34" charset="0"/>
+              </a:rPr>
+              <a:t>Implicit yields</a:t>
+            </a:r>
+            <a:br>
+              <a:rPr lang="en-GB" sz="3200" dirty="0">
+                <a:latin typeface="Segoe UI Light" panose="020B0502040204020203" pitchFamily="34" charset="0"/>
+              </a:rPr>
+            </a:br>
+            <a:br>
+              <a:rPr lang="en-GB" sz="3200" dirty="0">
+                <a:latin typeface="Segoe UI Light" panose="020B0502040204020203" pitchFamily="34" charset="0"/>
+              </a:rPr>
+            </a:br>
+            <a:r>
+              <a:rPr lang="en-GB" sz="3200" dirty="0">
+                <a:solidFill>
+                  <a:srgbClr val="59D01E"/>
+                </a:solidFill>
+                <a:latin typeface="Segoe UI Light" panose="020B0502040204020203" pitchFamily="34" charset="0"/>
+              </a:rPr>
+              <a:t>✔ </a:t>
+            </a:r>
+            <a:r>
+              <a:rPr lang="en-GB" sz="3200" dirty="0">
+                <a:latin typeface="Segoe UI Light" panose="020B0502040204020203" pitchFamily="34" charset="0"/>
+              </a:rPr>
+              <a:t>Indentation syntax relaxations</a:t>
+            </a:r>
+            <a:br>
+              <a:rPr lang="en-GB" sz="3200" dirty="0">
+                <a:latin typeface="Segoe UI Light" panose="020B0502040204020203" pitchFamily="34" charset="0"/>
+              </a:rPr>
+            </a:br>
+            <a:br>
+              <a:rPr lang="en-GB" sz="3200" dirty="0">
+                <a:latin typeface="Segoe UI Light" panose="020B0502040204020203" pitchFamily="34" charset="0"/>
+              </a:rPr>
+            </a:br>
+            <a:br>
+              <a:rPr lang="en-GB" sz="3200" dirty="0">
+                <a:latin typeface="Segoe UI Light" panose="020B0502040204020203" pitchFamily="34" charset="0"/>
+              </a:rPr>
+            </a:br>
+            <a:br>
+              <a:rPr lang="en-GB" sz="4000" dirty="0">
+                <a:latin typeface="Segoe UI Light" panose="020B0502040204020203" pitchFamily="34" charset="0"/>
+              </a:rPr>
+            </a:br>
+            <a:endParaRPr lang="en-GB" sz="4800" dirty="0">
+              <a:latin typeface="Segoe UI Light" panose="020B0502040204020203" pitchFamily="34" charset="0"/>
+            </a:endParaRPr>
+          </a:p>
+        </p:txBody>
+      </p:sp>
+      <p:sp>
+        <p:nvSpPr>
+          <p:cNvPr id="3" name="Rectangle 2">
             <a:extLst>
               <a:ext uri="{FF2B5EF4-FFF2-40B4-BE49-F238E27FC236}">
-                <a16:creationId xmlns:a16="http://schemas.microsoft.com/office/drawing/2014/main" id="{6DC7576F-FB04-4392-AC0B-17C6B3C02A8B}"/>
+                <a16:creationId xmlns:a16="http://schemas.microsoft.com/office/drawing/2014/main" id="{2596C14F-8864-4517-B823-2B96176C547D}"/>
               </a:ext>
             </a:extLst>
           </p:cNvPr>
@@ -18205,8 +17829,8 @@
         </p:nvSpPr>
         <p:spPr>
           <a:xfrm>
-            <a:off x="1835727" y="2782669"/>
-            <a:ext cx="8520545" cy="1015663"/>
+            <a:off x="1357744" y="5738198"/>
+            <a:ext cx="8700655" cy="369332"/>
           </a:xfrm>
           <a:prstGeom prst="rect">
             <a:avLst/>
@@ -18218,10 +17842,58 @@
           </a:bodyPr>
           <a:lstStyle/>
           <a:p>
-            <a:pPr marL="0" lvl="1" algn="ctr"/>
-            <a:r>
-              <a:rPr lang="en-GB" sz="6000" dirty="0"/>
-              <a:t>Questions?</a:t>
+            <a:pPr marL="0" marR="0" lvl="0" indent="0" algn="l" defTabSz="933007" rtl="0" eaLnBrk="1" fontAlgn="auto" latinLnBrk="0" hangingPunct="1">
+              <a:lnSpc>
+                <a:spcPct val="100000"/>
+              </a:lnSpc>
+              <a:spcBef>
+                <a:spcPts val="0"/>
+              </a:spcBef>
+              <a:spcAft>
+                <a:spcPts val="0"/>
+              </a:spcAft>
+              <a:buClrTx/>
+              <a:buSzTx/>
+              <a:buFontTx/>
+              <a:buNone/>
+              <a:tabLst/>
+              <a:defRPr/>
+            </a:pPr>
+            <a:r>
+              <a:rPr lang="en-GB" dirty="0">
+                <a:solidFill>
+                  <a:prstClr val="black"/>
+                </a:solidFill>
+                <a:latin typeface="Segoe UI"/>
+                <a:hlinkClick r:id="rId2"/>
+              </a:rPr>
+              <a:t>https://github.com/fsharp/fslang-design/tree/master/FSharp-4.7</a:t>
+            </a:r>
+            <a:r>
+              <a:rPr lang="en-GB" dirty="0">
+                <a:solidFill>
+                  <a:prstClr val="black"/>
+                </a:solidFill>
+                <a:latin typeface="Segoe UI"/>
+              </a:rPr>
+              <a:t> </a:t>
+            </a:r>
+            <a:r>
+              <a:rPr kumimoji="0" lang="en-GB" sz="1800" b="0" i="0" u="none" strike="noStrike" kern="1200" cap="none" spc="0" normalizeH="0" baseline="0" noProof="0" dirty="0">
+                <a:ln>
+                  <a:noFill/>
+                </a:ln>
+                <a:solidFill>
+                  <a:prstClr val="black"/>
+                </a:solidFill>
+                <a:effectLst/>
+                <a:uLnTx/>
+                <a:uFillTx/>
+                <a:latin typeface="Segoe UI"/>
+                <a:ea typeface="+mn-ea"/>
+                <a:cs typeface="+mn-cs"/>
+              </a:rPr>
+              <a:t> </a:t>
             </a:r>
           </a:p>
         </p:txBody>
@@ -18229,13 +17901,397 @@
     </p:spTree>
     <p:extLst>
       <p:ext uri="{BB962C8B-B14F-4D97-AF65-F5344CB8AC3E}">
-        <p14:creationId xmlns:p14="http://schemas.microsoft.com/office/powerpoint/2010/main" val="1966593104"/>
+        <p14:creationId xmlns:p14="http://schemas.microsoft.com/office/powerpoint/2010/main" val="2886072683"/>
       </p:ext>
     </p:extLst>
   </p:cSld>
   <p:clrMapOvr>
     <a:masterClrMapping/>
   </p:clrMapOvr>
+  <mc:AlternateContent xmlns:mc="http://schemas.openxmlformats.org/markup-compatibility/2006" xmlns:p14="http://schemas.microsoft.com/office/powerpoint/2010/main">
+    <mc:Choice Requires="p14">
+      <p:transition p14:dur="0"/>
+    </mc:Choice>
+    <mc:Fallback xmlns="">
+      <p:transition/>
+    </mc:Fallback>
+  </mc:AlternateContent>
+</p:sld>
+</file>
+
+<file path=ppt/slides/slide45.xml><?xml version="1.0" encoding="utf-8"?>
+<p:sld xmlns:a="http://schemas.openxmlformats.org/drawingml/2006/main" xmlns:r="http://schemas.openxmlformats.org/officeDocument/2006/relationships" xmlns:p="http://schemas.openxmlformats.org/presentationml/2006/main" showMasterSp="0">
+  <p:cSld>
+    <p:spTree>
+      <p:nvGrpSpPr>
+        <p:cNvPr id="1" name=""/>
+        <p:cNvGrpSpPr/>
+        <p:nvPr/>
+      </p:nvGrpSpPr>
+      <p:grpSpPr>
+        <a:xfrm>
+          <a:off x="0" y="0"/>
+          <a:ext cx="0" cy="0"/>
+          <a:chOff x="0" y="0"/>
+          <a:chExt cx="0" cy="0"/>
+        </a:xfrm>
+      </p:grpSpPr>
+      <p:sp>
+        <p:nvSpPr>
+          <p:cNvPr id="2" name="Title 1"/>
+          <p:cNvSpPr>
+            <a:spLocks noGrp="1"/>
+          </p:cNvSpPr>
+          <p:nvPr>
+            <p:ph type="title"/>
+          </p:nvPr>
+        </p:nvSpPr>
+        <p:spPr>
+          <a:xfrm>
+            <a:off x="469088" y="1059158"/>
+            <a:ext cx="11176000" cy="5983176"/>
+          </a:xfrm>
+        </p:spPr>
+        <p:txBody>
+          <a:bodyPr/>
+          <a:lstStyle/>
+          <a:p>
+            <a:pPr algn="l"/>
+            <a:r>
+              <a:rPr lang="en-GB" sz="4800" dirty="0">
+                <a:latin typeface="Segoe UI Light" panose="020B0502040204020203" pitchFamily="34" charset="0"/>
+              </a:rPr>
+              <a:t>F# 5.x (preview)</a:t>
+            </a:r>
+            <a:br>
+              <a:rPr lang="en-GB" sz="4800" dirty="0">
+                <a:latin typeface="Segoe UI Light" panose="020B0502040204020203" pitchFamily="34" charset="0"/>
+              </a:rPr>
+            </a:br>
+            <a:br>
+              <a:rPr lang="en-GB" sz="2400" dirty="0">
+                <a:latin typeface="Segoe UI Light" panose="020B0502040204020203" pitchFamily="34" charset="0"/>
+              </a:rPr>
+            </a:br>
+            <a:r>
+              <a:rPr lang="en-GB" sz="2400" dirty="0">
+                <a:solidFill>
+                  <a:srgbClr val="59D01E"/>
+                </a:solidFill>
+                <a:latin typeface="Segoe UI Light" panose="020B0502040204020203" pitchFamily="34" charset="0"/>
+              </a:rPr>
+              <a:t>✔ </a:t>
+            </a:r>
+            <a:r>
+              <a:rPr lang="en-GB" sz="2400" dirty="0" err="1">
+                <a:latin typeface="Segoe UI Light" panose="020B0502040204020203" pitchFamily="34" charset="0"/>
+              </a:rPr>
+              <a:t>nameof</a:t>
+            </a:r>
+            <a:r>
+              <a:rPr lang="en-GB" sz="2400" dirty="0">
+                <a:latin typeface="Segoe UI Light" panose="020B0502040204020203" pitchFamily="34" charset="0"/>
+              </a:rPr>
+              <a:t> operator</a:t>
+            </a:r>
+            <a:br>
+              <a:rPr lang="en-GB" sz="2400" dirty="0">
+                <a:latin typeface="Segoe UI Light" panose="020B0502040204020203" pitchFamily="34" charset="0"/>
+              </a:rPr>
+            </a:br>
+            <a:r>
+              <a:rPr lang="en-GB" sz="2400" dirty="0">
+                <a:solidFill>
+                  <a:srgbClr val="59D01E"/>
+                </a:solidFill>
+                <a:latin typeface="Segoe UI Light" panose="020B0502040204020203" pitchFamily="34" charset="0"/>
+              </a:rPr>
+              <a:t>✔ </a:t>
+            </a:r>
+            <a:r>
+              <a:rPr lang="en-GB" sz="2400" dirty="0">
+                <a:latin typeface="Segoe UI Light" panose="020B0502040204020203" pitchFamily="34" charset="0"/>
+              </a:rPr>
+              <a:t>support let! … and! for </a:t>
+            </a:r>
+            <a:r>
+              <a:rPr lang="en-GB" sz="2400" dirty="0" err="1">
+                <a:latin typeface="Segoe UI Light" panose="020B0502040204020203" pitchFamily="34" charset="0"/>
+              </a:rPr>
+              <a:t>applicatives</a:t>
+            </a:r>
+            <a:br>
+              <a:rPr lang="en-GB" sz="2400" dirty="0">
+                <a:latin typeface="Segoe UI Light" panose="020B0502040204020203" pitchFamily="34" charset="0"/>
+              </a:rPr>
+            </a:br>
+            <a:r>
+              <a:rPr lang="en-GB" sz="2400" dirty="0">
+                <a:solidFill>
+                  <a:srgbClr val="59D01E"/>
+                </a:solidFill>
+                <a:latin typeface="Segoe UI Light" panose="020B0502040204020203" pitchFamily="34" charset="0"/>
+              </a:rPr>
+              <a:t>✔ </a:t>
+            </a:r>
+            <a:r>
+              <a:rPr lang="en-GB" sz="2400" dirty="0">
+                <a:latin typeface="Segoe UI Light" panose="020B0502040204020203" pitchFamily="34" charset="0"/>
+              </a:rPr>
+              <a:t>open static classes</a:t>
+            </a:r>
+            <a:br>
+              <a:rPr lang="en-GB" sz="2400" dirty="0">
+                <a:latin typeface="Segoe UI Light" panose="020B0502040204020203" pitchFamily="34" charset="0"/>
+              </a:rPr>
+            </a:br>
+            <a:r>
+              <a:rPr lang="en-GB" sz="2400" dirty="0">
+                <a:solidFill>
+                  <a:srgbClr val="59D01E"/>
+                </a:solidFill>
+                <a:latin typeface="Segoe UI Light" panose="020B0502040204020203" pitchFamily="34" charset="0"/>
+              </a:rPr>
+              <a:t>✔ </a:t>
+            </a:r>
+            <a:r>
+              <a:rPr lang="en-GB" sz="2400" dirty="0">
+                <a:latin typeface="Segoe UI Light" panose="020B0502040204020203" pitchFamily="34" charset="0"/>
+              </a:rPr>
+              <a:t>witness passing for quotations</a:t>
+            </a:r>
+            <a:br>
+              <a:rPr lang="en-GB" sz="2400" dirty="0">
+                <a:latin typeface="Segoe UI Light" panose="020B0502040204020203" pitchFamily="34" charset="0"/>
+              </a:rPr>
+            </a:br>
+            <a:r>
+              <a:rPr lang="en-GB" sz="2400" dirty="0">
+                <a:solidFill>
+                  <a:srgbClr val="59D01E"/>
+                </a:solidFill>
+                <a:latin typeface="Segoe UI Light" panose="020B0502040204020203" pitchFamily="34" charset="0"/>
+              </a:rPr>
+              <a:t>✔ </a:t>
+            </a:r>
+            <a:r>
+              <a:rPr lang="en-GB" sz="2400" dirty="0">
+                <a:latin typeface="Segoe UI Light" panose="020B0502040204020203" pitchFamily="34" charset="0"/>
+              </a:rPr>
+              <a:t>default interface members</a:t>
+            </a:r>
+            <a:br>
+              <a:rPr lang="en-GB" sz="2400" dirty="0">
+                <a:latin typeface="Segoe UI Light" panose="020B0502040204020203" pitchFamily="34" charset="0"/>
+              </a:rPr>
+            </a:br>
+            <a:r>
+              <a:rPr lang="en-GB" sz="2400" dirty="0">
+                <a:solidFill>
+                  <a:srgbClr val="59D01E"/>
+                </a:solidFill>
+                <a:latin typeface="Segoe UI Light" panose="020B0502040204020203" pitchFamily="34" charset="0"/>
+              </a:rPr>
+              <a:t>✔ </a:t>
+            </a:r>
+            <a:r>
+              <a:rPr lang="en-GB" sz="2400" dirty="0">
+                <a:latin typeface="Segoe UI Light" panose="020B0502040204020203" pitchFamily="34" charset="0"/>
+              </a:rPr>
+              <a:t>nullable interop</a:t>
+            </a:r>
+            <a:br>
+              <a:rPr lang="en-GB" sz="2400" dirty="0">
+                <a:latin typeface="Segoe UI Light" panose="020B0502040204020203" pitchFamily="34" charset="0"/>
+              </a:rPr>
+            </a:br>
+            <a:r>
+              <a:rPr lang="en-GB" sz="2400" dirty="0">
+                <a:solidFill>
+                  <a:srgbClr val="59D01E"/>
+                </a:solidFill>
+                <a:latin typeface="Segoe UI Light" panose="020B0502040204020203" pitchFamily="34" charset="0"/>
+              </a:rPr>
+              <a:t>✔ </a:t>
+            </a:r>
+            <a:r>
+              <a:rPr lang="en-GB" sz="2400" dirty="0">
+                <a:latin typeface="Segoe UI Light" panose="020B0502040204020203" pitchFamily="34" charset="0"/>
+              </a:rPr>
+              <a:t>slicing improvements</a:t>
+            </a:r>
+            <a:br>
+              <a:rPr lang="en-GB" sz="2400" dirty="0">
+                <a:latin typeface="Segoe UI Light" panose="020B0502040204020203" pitchFamily="34" charset="0"/>
+              </a:rPr>
+            </a:br>
+            <a:r>
+              <a:rPr lang="en-GB" sz="2400" dirty="0">
+                <a:solidFill>
+                  <a:srgbClr val="59D01E"/>
+                </a:solidFill>
+                <a:latin typeface="Segoe UI Light" panose="020B0502040204020203" pitchFamily="34" charset="0"/>
+              </a:rPr>
+              <a:t>✔ </a:t>
+            </a:r>
+            <a:r>
+              <a:rPr lang="en-GB" sz="2400" dirty="0">
+                <a:latin typeface="Segoe UI Light" panose="020B0502040204020203" pitchFamily="34" charset="0"/>
+              </a:rPr>
+              <a:t>string interpolation</a:t>
+            </a:r>
+            <a:br>
+              <a:rPr lang="en-GB" sz="2400" dirty="0">
+                <a:latin typeface="Segoe UI Light" panose="020B0502040204020203" pitchFamily="34" charset="0"/>
+              </a:rPr>
+            </a:br>
+            <a:r>
+              <a:rPr lang="en-GB" sz="2400" dirty="0">
+                <a:solidFill>
+                  <a:srgbClr val="59D01E"/>
+                </a:solidFill>
+                <a:latin typeface="Segoe UI Light" panose="020B0502040204020203" pitchFamily="34" charset="0"/>
+              </a:rPr>
+              <a:t>✔ </a:t>
+            </a:r>
+            <a:r>
+              <a:rPr lang="en-GB" sz="2400" dirty="0">
+                <a:latin typeface="Segoe UI Light" panose="020B0502040204020203" pitchFamily="34" charset="0"/>
+              </a:rPr>
+              <a:t>extension members for constraints</a:t>
+            </a:r>
+            <a:br>
+              <a:rPr lang="en-GB" sz="2400" dirty="0">
+                <a:latin typeface="Segoe UI Light" panose="020B0502040204020203" pitchFamily="34" charset="0"/>
+              </a:rPr>
+            </a:br>
+            <a:br>
+              <a:rPr lang="en-GB" sz="2400" dirty="0">
+                <a:latin typeface="Segoe UI Light" panose="020B0502040204020203" pitchFamily="34" charset="0"/>
+              </a:rPr>
+            </a:br>
+            <a:br>
+              <a:rPr lang="en-GB" sz="2400" dirty="0">
+                <a:latin typeface="Segoe UI Light" panose="020B0502040204020203" pitchFamily="34" charset="0"/>
+              </a:rPr>
+            </a:br>
+            <a:br>
+              <a:rPr lang="en-GB" sz="2400" dirty="0">
+                <a:latin typeface="Segoe UI Light" panose="020B0502040204020203" pitchFamily="34" charset="0"/>
+              </a:rPr>
+            </a:br>
+            <a:br>
+              <a:rPr lang="en-GB" sz="3200" dirty="0">
+                <a:latin typeface="Segoe UI Light" panose="020B0502040204020203" pitchFamily="34" charset="0"/>
+              </a:rPr>
+            </a:br>
+            <a:endParaRPr lang="en-GB" sz="4000" dirty="0">
+              <a:latin typeface="Segoe UI Light" panose="020B0502040204020203" pitchFamily="34" charset="0"/>
+            </a:endParaRPr>
+          </a:p>
+        </p:txBody>
+      </p:sp>
+      <p:sp>
+        <p:nvSpPr>
+          <p:cNvPr id="3" name="Rectangle 2">
+            <a:extLst>
+              <a:ext uri="{FF2B5EF4-FFF2-40B4-BE49-F238E27FC236}">
+                <a16:creationId xmlns:a16="http://schemas.microsoft.com/office/drawing/2014/main" id="{2596C14F-8864-4517-B823-2B96176C547D}"/>
+              </a:ext>
+            </a:extLst>
+          </p:cNvPr>
+          <p:cNvSpPr/>
+          <p:nvPr/>
+        </p:nvSpPr>
+        <p:spPr>
+          <a:xfrm>
+            <a:off x="1357744" y="5738198"/>
+            <a:ext cx="8700655" cy="369332"/>
+          </a:xfrm>
+          <a:prstGeom prst="rect">
+            <a:avLst/>
+          </a:prstGeom>
+        </p:spPr>
+        <p:txBody>
+          <a:bodyPr wrap="square">
+            <a:spAutoFit/>
+          </a:bodyPr>
+          <a:lstStyle/>
+          <a:p>
+            <a:pPr marL="0" marR="0" lvl="0" indent="0" algn="l" defTabSz="933007" rtl="0" eaLnBrk="1" fontAlgn="auto" latinLnBrk="0" hangingPunct="1">
+              <a:lnSpc>
+                <a:spcPct val="100000"/>
+              </a:lnSpc>
+              <a:spcBef>
+                <a:spcPts val="0"/>
+              </a:spcBef>
+              <a:spcAft>
+                <a:spcPts val="0"/>
+              </a:spcAft>
+              <a:buClrTx/>
+              <a:buSzTx/>
+              <a:buFontTx/>
+              <a:buNone/>
+              <a:tabLst/>
+              <a:defRPr/>
+            </a:pPr>
+            <a:r>
+              <a:rPr lang="en-GB" dirty="0">
+                <a:solidFill>
+                  <a:prstClr val="black"/>
+                </a:solidFill>
+                <a:latin typeface="Segoe UI"/>
+                <a:hlinkClick r:id="rId2"/>
+              </a:rPr>
+              <a:t>https://github.com/fsharp/fslang-design/tree/master/preview</a:t>
+            </a:r>
+            <a:r>
+              <a:rPr lang="en-GB" dirty="0">
+                <a:solidFill>
+                  <a:prstClr val="black"/>
+                </a:solidFill>
+                <a:latin typeface="Segoe UI"/>
+              </a:rPr>
+              <a:t>  </a:t>
+            </a:r>
+            <a:r>
+              <a:rPr kumimoji="0" lang="en-GB" sz="1800" b="0" i="0" u="none" strike="noStrike" kern="1200" cap="none" spc="0" normalizeH="0" baseline="0" noProof="0" dirty="0">
+                <a:ln>
+                  <a:noFill/>
+                </a:ln>
+                <a:solidFill>
+                  <a:prstClr val="black"/>
+                </a:solidFill>
+                <a:effectLst/>
+                <a:uLnTx/>
+                <a:uFillTx/>
+                <a:latin typeface="Segoe UI"/>
+                <a:ea typeface="+mn-ea"/>
+                <a:cs typeface="+mn-cs"/>
+              </a:rPr>
+              <a:t> </a:t>
+            </a:r>
+          </a:p>
+        </p:txBody>
+      </p:sp>
+    </p:spTree>
+    <p:extLst>
+      <p:ext uri="{BB962C8B-B14F-4D97-AF65-F5344CB8AC3E}">
+        <p14:creationId xmlns:p14="http://schemas.microsoft.com/office/powerpoint/2010/main" val="3904759153"/>
+      </p:ext>
+    </p:extLst>
+  </p:cSld>
+  <p:clrMapOvr>
+    <a:masterClrMapping/>
+  </p:clrMapOvr>
+  <mc:AlternateContent xmlns:mc="http://schemas.openxmlformats.org/markup-compatibility/2006" xmlns:p14="http://schemas.microsoft.com/office/powerpoint/2010/main">
+    <mc:Choice Requires="p14">
+      <p:transition p14:dur="0"/>
+    </mc:Choice>
+    <mc:Fallback xmlns="">
+      <p:transition/>
+    </mc:Fallback>
+  </mc:AlternateContent>
 </p:sld>
 </file>
 
@@ -18280,7 +18336,7 @@
               <a:rPr lang="en-GB" sz="4800" dirty="0">
                 <a:latin typeface="Gill Sans MT" panose="020B0502020104020203" pitchFamily="34" charset="0"/>
               </a:rPr>
-              <a:t>First, a little about F#</a:t>
+              <a:t>First, let’s look at how I talk about F#</a:t>
             </a:r>
           </a:p>
         </p:txBody>
